--- a/device_model/SAM-IoT-WM-v2.pptx
+++ b/device_model/SAM-IoT-WM-v2.pptx
@@ -17148,10 +17148,23 @@
               <a:buFont typeface="Arial" panose="020B0604020202020204" pitchFamily="34" charset="0"/>
               <a:buChar char="•"/>
             </a:pPr>
-            <a:endParaRPr lang="en-US" sz="1600" dirty="0">
-              <a:latin typeface="Arial" panose="020B0604020202020204" pitchFamily="34" charset="0"/>
-              <a:cs typeface="Arial" panose="020B0604020202020204" pitchFamily="34" charset="0"/>
-            </a:endParaRPr>
+            <a:r>
+              <a:rPr lang="en-US" sz="1600" dirty="0">
+                <a:latin typeface="Arial" panose="020B0604020202020204" pitchFamily="34" charset="0"/>
+                <a:cs typeface="Arial" panose="020B0604020202020204" pitchFamily="34" charset="0"/>
+              </a:rPr>
+              <a:t>Recommendation: Each data frame should be preceded with the CLI command </a:t>
+            </a:r>
+            <a:r>
+              <a:rPr lang="en-US" sz="1600" dirty="0">
+                <a:highlight>
+                  <a:srgbClr val="FFFF00"/>
+                </a:highlight>
+                <a:latin typeface="Courier" pitchFamily="2" charset="0"/>
+                <a:cs typeface="Arial" panose="020B0604020202020204" pitchFamily="34" charset="0"/>
+              </a:rPr>
+              <a:t>telemetry 0,0</a:t>
+            </a:r>
           </a:p>
         </p:txBody>
       </p:sp>
@@ -31212,52 +31225,28 @@
 </file>
 
 <file path=customXml/item1.xml><?xml version="1.0" encoding="utf-8"?>
-<?mso-contentType ?>
-<spe:Receivers xmlns:spe="http://schemas.microsoft.com/sharepoint/events">
-  <Receiver>
-    <Name>Document ID Generator</Name>
-    <Synchronization>Synchronous</Synchronization>
-    <Type>10001</Type>
-    <SequenceNumber>1000</SequenceNumber>
-    <Assembly>Microsoft.Office.DocumentManagement, Version=14.0.0.0, Culture=neutral, PublicKeyToken=71e9bce111e9429c</Assembly>
-    <Class>Microsoft.Office.DocumentManagement.Internal.DocIdHandler</Class>
-    <Data/>
-    <Filter/>
-  </Receiver>
-  <Receiver>
-    <Name>Document ID Generator</Name>
-    <Synchronization>Synchronous</Synchronization>
-    <Type>10002</Type>
-    <SequenceNumber>1001</SequenceNumber>
-    <Assembly>Microsoft.Office.DocumentManagement, Version=14.0.0.0, Culture=neutral, PublicKeyToken=71e9bce111e9429c</Assembly>
-    <Class>Microsoft.Office.DocumentManagement.Internal.DocIdHandler</Class>
-    <Data/>
-    <Filter/>
-  </Receiver>
-  <Receiver>
-    <Name>Document ID Generator</Name>
-    <Synchronization>Synchronous</Synchronization>
-    <Type>10004</Type>
-    <SequenceNumber>1002</SequenceNumber>
-    <Assembly>Microsoft.Office.DocumentManagement, Version=14.0.0.0, Culture=neutral, PublicKeyToken=71e9bce111e9429c</Assembly>
-    <Class>Microsoft.Office.DocumentManagement.Internal.DocIdHandler</Class>
-    <Data/>
-    <Filter/>
-  </Receiver>
-  <Receiver>
-    <Name>Document ID Generator</Name>
-    <Synchronization>Synchronous</Synchronization>
-    <Type>10006</Type>
-    <SequenceNumber>1003</SequenceNumber>
-    <Assembly>Microsoft.Office.DocumentManagement, Version=14.0.0.0, Culture=neutral, PublicKeyToken=71e9bce111e9429c</Assembly>
-    <Class>Microsoft.Office.DocumentManagement.Internal.DocIdHandler</Class>
-    <Data/>
-    <Filter/>
-  </Receiver>
-</spe:Receivers>
+<p:properties xmlns:p="http://schemas.microsoft.com/office/2006/metadata/properties" xmlns:xsi="http://www.w3.org/2001/XMLSchema-instance" xmlns:pc="http://schemas.microsoft.com/office/infopath/2007/PartnerControls">
+  <documentManagement>
+    <Content_x0020_Archived xmlns="df7acb31-37ac-40e2-81bb-c44e3630f613">false</Content_x0020_Archived>
+    <_dlc_DocId xmlns="38ef598d-997c-498b-b737-2f6b2c50ccab">SV5CHKDEWJXD-84-133</_dlc_DocId>
+    <_dlc_DocIdUrl xmlns="38ef598d-997c-498b-b737-2f6b2c50ccab">
+      <Url>http://mchpweb-2010/marcom/home/Resources/_layouts/DocIdRedir.aspx?ID=SV5CHKDEWJXD-84-133</Url>
+      <Description>SV5CHKDEWJXD-84-133</Description>
+    </_dlc_DocIdUrl>
+  </documentManagement>
+</p:properties>
 </file>
 
 <file path=customXml/item2.xml><?xml version="1.0" encoding="utf-8"?>
+<?mso-contentType ?>
+<FormTemplates xmlns="http://schemas.microsoft.com/sharepoint/v3/contenttype/forms">
+  <Display>DocumentLibraryForm</Display>
+  <Edit>DocumentLibraryForm</Edit>
+  <New>DocumentLibraryForm</New>
+</FormTemplates>
+</file>
+
+<file path=customXml/item3.xml><?xml version="1.0" encoding="utf-8"?>
 <ct:contentTypeSchema xmlns:ct="http://schemas.microsoft.com/office/2006/metadata/contentType" xmlns:ma="http://schemas.microsoft.com/office/2006/metadata/properties/metaAttributes" ct:_="" ma:_="" ma:contentTypeName="Document" ma:contentTypeID="0x01010006EF9829FE6FB94D84D3D1D5B1820991" ma:contentTypeVersion="2" ma:contentTypeDescription="Create a new document." ma:contentTypeScope="" ma:versionID="84d427fd2fb92a215479da5b0fe5e4ad">
   <xsd:schema xmlns:xsd="http://www.w3.org/2001/XMLSchema" xmlns:xs="http://www.w3.org/2001/XMLSchema" xmlns:p="http://schemas.microsoft.com/office/2006/metadata/properties" xmlns:ns2="38ef598d-997c-498b-b737-2f6b2c50ccab" xmlns:ns3="df7acb31-37ac-40e2-81bb-c44e3630f613" targetNamespace="http://schemas.microsoft.com/office/2006/metadata/properties" ma:root="true" ma:fieldsID="156788901a84a305ff90b9b24ba2d9fb" ns2:_="" ns3:_="">
     <xsd:import namespace="38ef598d-997c-498b-b737-2f6b2c50ccab"/>
@@ -31413,37 +31402,72 @@
 </ct:contentTypeSchema>
 </file>
 
-<file path=customXml/item3.xml><?xml version="1.0" encoding="utf-8"?>
+<file path=customXml/item4.xml><?xml version="1.0" encoding="utf-8"?>
 <?mso-contentType ?>
-<FormTemplates xmlns="http://schemas.microsoft.com/sharepoint/v3/contenttype/forms">
-  <Display>DocumentLibraryForm</Display>
-  <Edit>DocumentLibraryForm</Edit>
-  <New>DocumentLibraryForm</New>
-</FormTemplates>
-</file>
-
-<file path=customXml/item4.xml><?xml version="1.0" encoding="utf-8"?>
-<p:properties xmlns:p="http://schemas.microsoft.com/office/2006/metadata/properties" xmlns:xsi="http://www.w3.org/2001/XMLSchema-instance" xmlns:pc="http://schemas.microsoft.com/office/infopath/2007/PartnerControls">
-  <documentManagement>
-    <Content_x0020_Archived xmlns="df7acb31-37ac-40e2-81bb-c44e3630f613">false</Content_x0020_Archived>
-    <_dlc_DocId xmlns="38ef598d-997c-498b-b737-2f6b2c50ccab">SV5CHKDEWJXD-84-133</_dlc_DocId>
-    <_dlc_DocIdUrl xmlns="38ef598d-997c-498b-b737-2f6b2c50ccab">
-      <Url>http://mchpweb-2010/marcom/home/Resources/_layouts/DocIdRedir.aspx?ID=SV5CHKDEWJXD-84-133</Url>
-      <Description>SV5CHKDEWJXD-84-133</Description>
-    </_dlc_DocIdUrl>
-  </documentManagement>
-</p:properties>
+<spe:Receivers xmlns:spe="http://schemas.microsoft.com/sharepoint/events">
+  <Receiver>
+    <Name>Document ID Generator</Name>
+    <Synchronization>Synchronous</Synchronization>
+    <Type>10001</Type>
+    <SequenceNumber>1000</SequenceNumber>
+    <Assembly>Microsoft.Office.DocumentManagement, Version=14.0.0.0, Culture=neutral, PublicKeyToken=71e9bce111e9429c</Assembly>
+    <Class>Microsoft.Office.DocumentManagement.Internal.DocIdHandler</Class>
+    <Data/>
+    <Filter/>
+  </Receiver>
+  <Receiver>
+    <Name>Document ID Generator</Name>
+    <Synchronization>Synchronous</Synchronization>
+    <Type>10002</Type>
+    <SequenceNumber>1001</SequenceNumber>
+    <Assembly>Microsoft.Office.DocumentManagement, Version=14.0.0.0, Culture=neutral, PublicKeyToken=71e9bce111e9429c</Assembly>
+    <Class>Microsoft.Office.DocumentManagement.Internal.DocIdHandler</Class>
+    <Data/>
+    <Filter/>
+  </Receiver>
+  <Receiver>
+    <Name>Document ID Generator</Name>
+    <Synchronization>Synchronous</Synchronization>
+    <Type>10004</Type>
+    <SequenceNumber>1002</SequenceNumber>
+    <Assembly>Microsoft.Office.DocumentManagement, Version=14.0.0.0, Culture=neutral, PublicKeyToken=71e9bce111e9429c</Assembly>
+    <Class>Microsoft.Office.DocumentManagement.Internal.DocIdHandler</Class>
+    <Data/>
+    <Filter/>
+  </Receiver>
+  <Receiver>
+    <Name>Document ID Generator</Name>
+    <Synchronization>Synchronous</Synchronization>
+    <Type>10006</Type>
+    <SequenceNumber>1003</SequenceNumber>
+    <Assembly>Microsoft.Office.DocumentManagement, Version=14.0.0.0, Culture=neutral, PublicKeyToken=71e9bce111e9429c</Assembly>
+    <Class>Microsoft.Office.DocumentManagement.Internal.DocIdHandler</Class>
+    <Data/>
+    <Filter/>
+  </Receiver>
+</spe:Receivers>
 </file>
 
 <file path=customXml/itemProps1.xml><?xml version="1.0" encoding="utf-8"?>
-<ds:datastoreItem xmlns:ds="http://schemas.openxmlformats.org/officeDocument/2006/customXml" ds:itemID="{36ECED7C-7E24-4B80-B6AD-5BF0A508FB7B}">
+<ds:datastoreItem xmlns:ds="http://schemas.openxmlformats.org/officeDocument/2006/customXml" ds:itemID="{15774815-801A-4D0C-AAC8-304A8EA5EAE0}">
   <ds:schemaRefs>
-    <ds:schemaRef ds:uri="http://schemas.microsoft.com/sharepoint/events"/>
+    <ds:schemaRef ds:uri="http://schemas.microsoft.com/office/2006/metadata/properties"/>
+    <ds:schemaRef ds:uri="http://schemas.microsoft.com/office/infopath/2007/PartnerControls"/>
+    <ds:schemaRef ds:uri="df7acb31-37ac-40e2-81bb-c44e3630f613"/>
+    <ds:schemaRef ds:uri="38ef598d-997c-498b-b737-2f6b2c50ccab"/>
   </ds:schemaRefs>
 </ds:datastoreItem>
 </file>
 
 <file path=customXml/itemProps2.xml><?xml version="1.0" encoding="utf-8"?>
+<ds:datastoreItem xmlns:ds="http://schemas.openxmlformats.org/officeDocument/2006/customXml" ds:itemID="{0CE24DD7-9317-4AD8-82D4-5A6998DA79C7}">
+  <ds:schemaRefs>
+    <ds:schemaRef ds:uri="http://schemas.microsoft.com/sharepoint/v3/contenttype/forms"/>
+  </ds:schemaRefs>
+</ds:datastoreItem>
+</file>
+
+<file path=customXml/itemProps3.xml><?xml version="1.0" encoding="utf-8"?>
 <ds:datastoreItem xmlns:ds="http://schemas.openxmlformats.org/officeDocument/2006/customXml" ds:itemID="{AF9647E8-EA5A-4469-8198-396AF1DA17E0}">
   <ds:schemaRefs>
     <ds:schemaRef ds:uri="http://schemas.microsoft.com/office/2006/metadata/contentType"/>
@@ -31462,21 +31486,10 @@
 </ds:datastoreItem>
 </file>
 
-<file path=customXml/itemProps3.xml><?xml version="1.0" encoding="utf-8"?>
-<ds:datastoreItem xmlns:ds="http://schemas.openxmlformats.org/officeDocument/2006/customXml" ds:itemID="{0CE24DD7-9317-4AD8-82D4-5A6998DA79C7}">
+<file path=customXml/itemProps4.xml><?xml version="1.0" encoding="utf-8"?>
+<ds:datastoreItem xmlns:ds="http://schemas.openxmlformats.org/officeDocument/2006/customXml" ds:itemID="{36ECED7C-7E24-4B80-B6AD-5BF0A508FB7B}">
   <ds:schemaRefs>
-    <ds:schemaRef ds:uri="http://schemas.microsoft.com/sharepoint/v3/contenttype/forms"/>
-  </ds:schemaRefs>
-</ds:datastoreItem>
-</file>
-
-<file path=customXml/itemProps4.xml><?xml version="1.0" encoding="utf-8"?>
-<ds:datastoreItem xmlns:ds="http://schemas.openxmlformats.org/officeDocument/2006/customXml" ds:itemID="{15774815-801A-4D0C-AAC8-304A8EA5EAE0}">
-  <ds:schemaRefs>
-    <ds:schemaRef ds:uri="http://schemas.microsoft.com/office/2006/metadata/properties"/>
-    <ds:schemaRef ds:uri="http://schemas.microsoft.com/office/infopath/2007/PartnerControls"/>
-    <ds:schemaRef ds:uri="df7acb31-37ac-40e2-81bb-c44e3630f613"/>
-    <ds:schemaRef ds:uri="38ef598d-997c-498b-b737-2f6b2c50ccab"/>
+    <ds:schemaRef ds:uri="http://schemas.microsoft.com/sharepoint/events"/>
   </ds:schemaRefs>
 </ds:datastoreItem>
 </file>
--- a/device_model/SAM-IoT-WM-v2.pptx
+++ b/device_model/SAM-IoT-WM-v2.pptx
@@ -25,11 +25,11 @@
     <p:sldId id="1975" r:id="rId17"/>
     <p:sldId id="1976" r:id="rId18"/>
     <p:sldId id="2146846836" r:id="rId19"/>
-    <p:sldId id="2146846835" r:id="rId20"/>
-    <p:sldId id="2146846838" r:id="rId21"/>
-    <p:sldId id="2146846844" r:id="rId22"/>
-    <p:sldId id="2146846843" r:id="rId23"/>
-    <p:sldId id="2146846845" r:id="rId24"/>
+    <p:sldId id="2146846838" r:id="rId20"/>
+    <p:sldId id="2146846844" r:id="rId21"/>
+    <p:sldId id="2146846843" r:id="rId22"/>
+    <p:sldId id="2146846845" r:id="rId23"/>
+    <p:sldId id="2146846835" r:id="rId24"/>
   </p:sldIdLst>
   <p:sldSz cx="12188825" cy="6858000"/>
   <p:notesSz cx="6858000" cy="9144000"/>
@@ -1478,9 +1478,35 @@
           <a:bodyPr/>
           <a:lstStyle/>
           <a:p>
+            <a:endParaRPr lang="en-US" dirty="0"/>
+          </a:p>
+          <a:p>
+            <a:pPr marL="0" marR="0" lvl="0" indent="0" algn="l" defTabSz="1218936" rtl="0" eaLnBrk="1" fontAlgn="auto" latinLnBrk="0" hangingPunct="1">
+              <a:lnSpc>
+                <a:spcPct val="100000"/>
+              </a:lnSpc>
+              <a:spcBef>
+                <a:spcPts val="0"/>
+              </a:spcBef>
+              <a:spcAft>
+                <a:spcPts val="0"/>
+              </a:spcAft>
+              <a:buClrTx/>
+              <a:buSzTx/>
+              <a:buFontTx/>
+              <a:buNone/>
+              <a:tabLst/>
+              <a:defRPr/>
+            </a:pPr>
             <a:r>
               <a:rPr lang="en-US" dirty="0"/>
-              <a:t>4 blocks of 1KB every 5 seconds</a:t>
+              <a:t>1. (5000 milliseconds / 2048 Words) = 2.44 msec per update</a:t>
+            </a:r>
+          </a:p>
+          <a:p>
+            <a:r>
+              <a:rPr lang="en-US" dirty="0"/>
+              <a:t>2. (5000 milliseconds / 1024 Integers) = 4.88 msec per update</a:t>
             </a:r>
           </a:p>
         </p:txBody>
@@ -1492,7 +1518,7 @@
             <a:spLocks noGrp="1"/>
           </p:cNvSpPr>
           <p:nvPr>
-            <p:ph type="sldNum" sz="quarter" idx="10"/>
+            <p:ph type="sldNum" sz="quarter" idx="5"/>
           </p:nvPr>
         </p:nvSpPr>
         <p:spPr/>
@@ -1500,78 +1526,18 @@
           <a:bodyPr/>
           <a:lstStyle/>
           <a:p>
-            <a:pPr marL="0" marR="0" lvl="0" indent="0" algn="r" defTabSz="931863" rtl="0" eaLnBrk="1" fontAlgn="base" latinLnBrk="0" hangingPunct="1">
-              <a:lnSpc>
-                <a:spcPct val="100000"/>
-              </a:lnSpc>
-              <a:spcBef>
-                <a:spcPct val="0"/>
-              </a:spcBef>
-              <a:spcAft>
-                <a:spcPct val="0"/>
-              </a:spcAft>
-              <a:buClrTx/>
-              <a:buSzTx/>
-              <a:buFontTx/>
-              <a:buNone/>
-              <a:tabLst/>
-              <a:defRPr/>
-            </a:pPr>
-            <a:fld id="{F97820B9-D5B9-4B9A-B3AE-285FB358A4CF}" type="slidenum">
-              <a:rPr kumimoji="0" lang="en-US" altLang="en-US" sz="1200" b="0" i="0" u="none" strike="noStrike" kern="1200" cap="none" spc="0" normalizeH="0" baseline="0" noProof="0" smtClean="0">
-                <a:ln>
-                  <a:noFill/>
-                </a:ln>
-                <a:solidFill>
-                  <a:srgbClr val="000000"/>
-                </a:solidFill>
-                <a:effectLst/>
-                <a:uLnTx/>
-                <a:uFillTx/>
-                <a:latin typeface="Arial" charset="0"/>
-                <a:ea typeface="+mn-ea"/>
-                <a:cs typeface="+mn-cs"/>
-              </a:rPr>
-              <a:pPr marL="0" marR="0" lvl="0" indent="0" algn="r" defTabSz="931863" rtl="0" eaLnBrk="1" fontAlgn="base" latinLnBrk="0" hangingPunct="1">
-                <a:lnSpc>
-                  <a:spcPct val="100000"/>
-                </a:lnSpc>
-                <a:spcBef>
-                  <a:spcPct val="0"/>
-                </a:spcBef>
-                <a:spcAft>
-                  <a:spcPct val="0"/>
-                </a:spcAft>
-                <a:buClrTx/>
-                <a:buSzTx/>
-                <a:buFontTx/>
-                <a:buNone/>
-                <a:tabLst/>
-                <a:defRPr/>
-              </a:pPr>
-              <a:t>15</a:t>
+            <a:fld id="{BFF8CB49-A7FB-5E4A-B599-DE2118135120}" type="slidenum">
+              <a:rPr lang="en-US" smtClean="0"/>
+              <a:t>16</a:t>
             </a:fld>
-            <a:endParaRPr kumimoji="0" lang="en-US" altLang="en-US" sz="1200" b="0" i="0" u="none" strike="noStrike" kern="1200" cap="none" spc="0" normalizeH="0" baseline="0" noProof="0">
-              <a:ln>
-                <a:noFill/>
-              </a:ln>
-              <a:solidFill>
-                <a:srgbClr val="000000"/>
-              </a:solidFill>
-              <a:effectLst/>
-              <a:uLnTx/>
-              <a:uFillTx/>
-              <a:latin typeface="Arial" charset="0"/>
-              <a:ea typeface="+mn-ea"/>
-              <a:cs typeface="+mn-cs"/>
-            </a:endParaRPr>
+            <a:endParaRPr lang="en-US"/>
           </a:p>
         </p:txBody>
       </p:sp>
     </p:spTree>
     <p:extLst>
       <p:ext uri="{BB962C8B-B14F-4D97-AF65-F5344CB8AC3E}">
-        <p14:creationId xmlns:p14="http://schemas.microsoft.com/office/powerpoint/2010/main" val="1772657342"/>
+        <p14:creationId xmlns:p14="http://schemas.microsoft.com/office/powerpoint/2010/main" val="3212939571"/>
       </p:ext>
     </p:extLst>
   </p:cSld>
@@ -1625,35 +1591,9 @@
           <a:bodyPr/>
           <a:lstStyle/>
           <a:p>
-            <a:endParaRPr lang="en-US" dirty="0"/>
-          </a:p>
-          <a:p>
-            <a:pPr marL="0" marR="0" lvl="0" indent="0" algn="l" defTabSz="1218936" rtl="0" eaLnBrk="1" fontAlgn="auto" latinLnBrk="0" hangingPunct="1">
-              <a:lnSpc>
-                <a:spcPct val="100000"/>
-              </a:lnSpc>
-              <a:spcBef>
-                <a:spcPts val="0"/>
-              </a:spcBef>
-              <a:spcAft>
-                <a:spcPts val="0"/>
-              </a:spcAft>
-              <a:buClrTx/>
-              <a:buSzTx/>
-              <a:buFontTx/>
-              <a:buNone/>
-              <a:tabLst/>
-              <a:defRPr/>
-            </a:pPr>
             <a:r>
               <a:rPr lang="en-US" dirty="0"/>
-              <a:t>1. (5000 milliseconds / 2048 Words) = 2.44 msec per update</a:t>
-            </a:r>
-          </a:p>
-          <a:p>
-            <a:r>
-              <a:rPr lang="en-US" dirty="0"/>
-              <a:t>2. (5000 milliseconds / 1024 Integers) = 4.88 msec per update</a:t>
+              <a:t>4 blocks of 1KB every 5 seconds</a:t>
             </a:r>
           </a:p>
         </p:txBody>
@@ -1665,7 +1605,7 @@
             <a:spLocks noGrp="1"/>
           </p:cNvSpPr>
           <p:nvPr>
-            <p:ph type="sldNum" sz="quarter" idx="5"/>
+            <p:ph type="sldNum" sz="quarter" idx="10"/>
           </p:nvPr>
         </p:nvSpPr>
         <p:spPr/>
@@ -1673,18 +1613,78 @@
           <a:bodyPr/>
           <a:lstStyle/>
           <a:p>
-            <a:fld id="{BFF8CB49-A7FB-5E4A-B599-DE2118135120}" type="slidenum">
-              <a:rPr lang="en-US" smtClean="0"/>
-              <a:t>17</a:t>
+            <a:pPr marL="0" marR="0" lvl="0" indent="0" algn="r" defTabSz="931863" rtl="0" eaLnBrk="1" fontAlgn="base" latinLnBrk="0" hangingPunct="1">
+              <a:lnSpc>
+                <a:spcPct val="100000"/>
+              </a:lnSpc>
+              <a:spcBef>
+                <a:spcPct val="0"/>
+              </a:spcBef>
+              <a:spcAft>
+                <a:spcPct val="0"/>
+              </a:spcAft>
+              <a:buClrTx/>
+              <a:buSzTx/>
+              <a:buFontTx/>
+              <a:buNone/>
+              <a:tabLst/>
+              <a:defRPr/>
+            </a:pPr>
+            <a:fld id="{F97820B9-D5B9-4B9A-B3AE-285FB358A4CF}" type="slidenum">
+              <a:rPr kumimoji="0" lang="en-US" altLang="en-US" sz="1200" b="0" i="0" u="none" strike="noStrike" kern="1200" cap="none" spc="0" normalizeH="0" baseline="0" noProof="0" smtClean="0">
+                <a:ln>
+                  <a:noFill/>
+                </a:ln>
+                <a:solidFill>
+                  <a:srgbClr val="000000"/>
+                </a:solidFill>
+                <a:effectLst/>
+                <a:uLnTx/>
+                <a:uFillTx/>
+                <a:latin typeface="Arial" charset="0"/>
+                <a:ea typeface="+mn-ea"/>
+                <a:cs typeface="+mn-cs"/>
+              </a:rPr>
+              <a:pPr marL="0" marR="0" lvl="0" indent="0" algn="r" defTabSz="931863" rtl="0" eaLnBrk="1" fontAlgn="base" latinLnBrk="0" hangingPunct="1">
+                <a:lnSpc>
+                  <a:spcPct val="100000"/>
+                </a:lnSpc>
+                <a:spcBef>
+                  <a:spcPct val="0"/>
+                </a:spcBef>
+                <a:spcAft>
+                  <a:spcPct val="0"/>
+                </a:spcAft>
+                <a:buClrTx/>
+                <a:buSzTx/>
+                <a:buFontTx/>
+                <a:buNone/>
+                <a:tabLst/>
+                <a:defRPr/>
+              </a:pPr>
+              <a:t>19</a:t>
             </a:fld>
-            <a:endParaRPr lang="en-US"/>
+            <a:endParaRPr kumimoji="0" lang="en-US" altLang="en-US" sz="1200" b="0" i="0" u="none" strike="noStrike" kern="1200" cap="none" spc="0" normalizeH="0" baseline="0" noProof="0">
+              <a:ln>
+                <a:noFill/>
+              </a:ln>
+              <a:solidFill>
+                <a:srgbClr val="000000"/>
+              </a:solidFill>
+              <a:effectLst/>
+              <a:uLnTx/>
+              <a:uFillTx/>
+              <a:latin typeface="Arial" charset="0"/>
+              <a:ea typeface="+mn-ea"/>
+              <a:cs typeface="+mn-cs"/>
+            </a:endParaRPr>
           </a:p>
         </p:txBody>
       </p:sp>
     </p:spTree>
     <p:extLst>
       <p:ext uri="{BB962C8B-B14F-4D97-AF65-F5344CB8AC3E}">
-        <p14:creationId xmlns:p14="http://schemas.microsoft.com/office/powerpoint/2010/main" val="3212939571"/>
+        <p14:creationId xmlns:p14="http://schemas.microsoft.com/office/powerpoint/2010/main" val="3582670916"/>
       </p:ext>
     </p:extLst>
   </p:cSld>
@@ -6784,7 +6784,7 @@
         </p:nvGrpSpPr>
         <p:grpSpPr>
           <a:xfrm>
-            <a:off x="3793543" y="2491092"/>
+            <a:off x="3482307" y="2455853"/>
             <a:ext cx="2464466" cy="527229"/>
             <a:chOff x="3793543" y="2491092"/>
             <a:chExt cx="2464466" cy="527229"/>
@@ -6948,7 +6948,7 @@
                   <a:latin typeface="Arial" panose="020B0604020202020204" pitchFamily="34" charset="0"/>
                   <a:cs typeface="Arial" panose="020B0604020202020204" pitchFamily="34" charset="0"/>
                 </a:rPr>
-                <a:t>1. Press the SW0 Button</a:t>
+                <a:t>1. Press the SW1 Button</a:t>
               </a:r>
             </a:p>
           </p:txBody>
@@ -12427,869 +12427,6 @@
 </file>
 
 <file path=ppt/slides/slide15.xml><?xml version="1.0" encoding="utf-8"?>
-<p:sld xmlns:a="http://schemas.openxmlformats.org/drawingml/2006/main" xmlns:r="http://schemas.openxmlformats.org/officeDocument/2006/relationships" xmlns:p="http://schemas.openxmlformats.org/presentationml/2006/main">
-  <p:cSld>
-    <p:spTree>
-      <p:nvGrpSpPr>
-        <p:cNvPr id="1" name=""/>
-        <p:cNvGrpSpPr/>
-        <p:nvPr/>
-      </p:nvGrpSpPr>
-      <p:grpSpPr>
-        <a:xfrm>
-          <a:off x="0" y="0"/>
-          <a:ext cx="0" cy="0"/>
-          <a:chOff x="0" y="0"/>
-          <a:chExt cx="0" cy="0"/>
-        </a:xfrm>
-      </p:grpSpPr>
-      <p:sp>
-        <p:nvSpPr>
-          <p:cNvPr id="2" name="Title 1">
-            <a:extLst>
-              <a:ext uri="{FF2B5EF4-FFF2-40B4-BE49-F238E27FC236}">
-                <a16:creationId xmlns:a16="http://schemas.microsoft.com/office/drawing/2014/main" id="{B549760D-F8DF-461D-933B-F8DDDB43971E}"/>
-              </a:ext>
-            </a:extLst>
-          </p:cNvPr>
-          <p:cNvSpPr>
-            <a:spLocks noGrp="1"/>
-          </p:cNvSpPr>
-          <p:nvPr>
-            <p:ph type="title"/>
-          </p:nvPr>
-        </p:nvSpPr>
-        <p:spPr/>
-        <p:txBody>
-          <a:bodyPr/>
-          <a:lstStyle/>
-          <a:p>
-            <a:r>
-              <a:rPr lang="en-US" dirty="0"/>
-              <a:t>Azure Code Examples Provided by Microsoft</a:t>
-            </a:r>
-          </a:p>
-        </p:txBody>
-      </p:sp>
-      <p:sp>
-        <p:nvSpPr>
-          <p:cNvPr id="3" name="Content Placeholder 2">
-            <a:extLst>
-              <a:ext uri="{FF2B5EF4-FFF2-40B4-BE49-F238E27FC236}">
-                <a16:creationId xmlns:a16="http://schemas.microsoft.com/office/drawing/2014/main" id="{259B5E4B-FAFA-4845-AFE9-703B03C49F82}"/>
-              </a:ext>
-            </a:extLst>
-          </p:cNvPr>
-          <p:cNvSpPr>
-            <a:spLocks noGrp="1"/>
-          </p:cNvSpPr>
-          <p:nvPr>
-            <p:ph sz="quarter" idx="13"/>
-          </p:nvPr>
-        </p:nvSpPr>
-        <p:spPr>
-          <a:xfrm>
-            <a:off x="356272" y="1070483"/>
-            <a:ext cx="11519639" cy="2505274"/>
-          </a:xfrm>
-        </p:spPr>
-        <p:txBody>
-          <a:bodyPr>
-            <a:normAutofit/>
-          </a:bodyPr>
-          <a:lstStyle/>
-          <a:p>
-            <a:r>
-              <a:rPr lang="en-US" sz="2000" b="0" dirty="0">
-                <a:latin typeface="Arial" panose="020B0604020202020204" pitchFamily="34" charset="0"/>
-                <a:cs typeface="Arial" panose="020B0604020202020204" pitchFamily="34" charset="0"/>
-              </a:rPr>
-              <a:t>Developers get full MPLAB X projects from Microsoft-owned GitHub repositories</a:t>
-            </a:r>
-          </a:p>
-          <a:p>
-            <a:endParaRPr lang="en-US" sz="2000" dirty="0"/>
-          </a:p>
-          <a:p>
-            <a:r>
-              <a:rPr lang="en-US" sz="2000" dirty="0"/>
-              <a:t>PIC-IoT </a:t>
-            </a:r>
-            <a:r>
-              <a:rPr lang="en-US" sz="1800" b="0" dirty="0">
-                <a:solidFill>
-                  <a:srgbClr val="0A0B0F"/>
-                </a:solidFill>
-                <a:hlinkClick r:id="rId3"/>
-              </a:rPr>
-              <a:t>https://github.com/Azure-Samples/Microchip-PIC-IoT-Wx</a:t>
-            </a:r>
-            <a:endParaRPr lang="en-US" sz="1800" b="0" dirty="0">
-              <a:solidFill>
-                <a:srgbClr val="0A0B0F"/>
-              </a:solidFill>
-            </a:endParaRPr>
-          </a:p>
-          <a:p>
-            <a:r>
-              <a:rPr lang="en-US" sz="2000" dirty="0"/>
-              <a:t>SAM-IoT </a:t>
-            </a:r>
-            <a:r>
-              <a:rPr lang="en-US" sz="1800" b="0" dirty="0">
-                <a:solidFill>
-                  <a:srgbClr val="0A0B0F"/>
-                </a:solidFill>
-                <a:hlinkClick r:id="rId4"/>
-              </a:rPr>
-              <a:t>https://github.com/Azure-Samples/Microchip-SAM-IoT-Wx</a:t>
-            </a:r>
-            <a:endParaRPr lang="en-US" sz="1800" b="0" dirty="0">
-              <a:solidFill>
-                <a:srgbClr val="0A0B0F"/>
-              </a:solidFill>
-            </a:endParaRPr>
-          </a:p>
-          <a:p>
-            <a:r>
-              <a:rPr lang="en-US" sz="2000" dirty="0"/>
-              <a:t>SAME54-XPRO </a:t>
-            </a:r>
-            <a:r>
-              <a:rPr lang="en-US" sz="1800" b="0" dirty="0">
-                <a:solidFill>
-                  <a:srgbClr val="0A0B0F"/>
-                </a:solidFill>
-                <a:hlinkClick r:id="rId5"/>
-              </a:rPr>
-              <a:t>https://github.com/azure-rtos/samples</a:t>
-            </a:r>
-            <a:endParaRPr lang="en-US" sz="1800" b="0" dirty="0">
-              <a:solidFill>
-                <a:srgbClr val="0A0B0F"/>
-              </a:solidFill>
-            </a:endParaRPr>
-          </a:p>
-          <a:p>
-            <a:r>
-              <a:rPr lang="en-US" sz="2000" dirty="0"/>
-              <a:t>PIC32 WFI32E Curiosity </a:t>
-            </a:r>
-            <a:r>
-              <a:rPr lang="en-US" sz="1800" b="0" dirty="0">
-                <a:solidFill>
-                  <a:srgbClr val="0A0B0F"/>
-                </a:solidFill>
-                <a:hlinkClick r:id="rId6"/>
-              </a:rPr>
-              <a:t>TBD (UNDER CONSTRUCTION)</a:t>
-            </a:r>
-            <a:endParaRPr lang="en-US" sz="1800" b="0" dirty="0">
-              <a:solidFill>
-                <a:srgbClr val="0A0B0F"/>
-              </a:solidFill>
-            </a:endParaRPr>
-          </a:p>
-          <a:p>
-            <a:r>
-              <a:rPr lang="en-US" sz="2000" dirty="0"/>
-              <a:t>ATSAMA5D27 Wireless SOM </a:t>
-            </a:r>
-            <a:r>
-              <a:rPr lang="en-US" sz="1800" b="0" dirty="0">
-                <a:solidFill>
-                  <a:srgbClr val="0A0B0F"/>
-                </a:solidFill>
-                <a:hlinkClick r:id="rId6"/>
-              </a:rPr>
-              <a:t>TBD (UNDER CONSTRUCTION)</a:t>
-            </a:r>
-            <a:endParaRPr lang="en-US" sz="1800" b="0" dirty="0">
-              <a:solidFill>
-                <a:srgbClr val="0A0B0F"/>
-              </a:solidFill>
-            </a:endParaRPr>
-          </a:p>
-          <a:p>
-            <a:pPr marL="0" indent="0">
-              <a:buNone/>
-            </a:pPr>
-            <a:endParaRPr lang="en-US" sz="2000" b="0" dirty="0"/>
-          </a:p>
-          <a:p>
-            <a:pPr marL="0" indent="0">
-              <a:buNone/>
-            </a:pPr>
-            <a:endParaRPr lang="en-US" sz="1000" dirty="0"/>
-          </a:p>
-        </p:txBody>
-      </p:sp>
-      <p:pic>
-        <p:nvPicPr>
-          <p:cNvPr id="9" name="Picture 2" descr="MPLAB X IDE Badge">
-            <a:extLst>
-              <a:ext uri="{FF2B5EF4-FFF2-40B4-BE49-F238E27FC236}">
-                <a16:creationId xmlns:a16="http://schemas.microsoft.com/office/drawing/2014/main" id="{A3681B67-7CDC-034C-808E-D2912EEBC6C0}"/>
-              </a:ext>
-            </a:extLst>
-          </p:cNvPr>
-          <p:cNvPicPr>
-            <a:picLocks noChangeAspect="1" noChangeArrowheads="1"/>
-          </p:cNvPicPr>
-          <p:nvPr/>
-        </p:nvPicPr>
-        <p:blipFill>
-          <a:blip r:embed="rId7">
-            <a:extLst>
-              <a:ext uri="{28A0092B-C50C-407E-A947-70E740481C1C}">
-                <a14:useLocalDpi xmlns:a14="http://schemas.microsoft.com/office/drawing/2010/main" val="0"/>
-              </a:ext>
-            </a:extLst>
-          </a:blip>
-          <a:srcRect/>
-          <a:stretch>
-            <a:fillRect/>
-          </a:stretch>
-        </p:blipFill>
-        <p:spPr bwMode="auto">
-          <a:xfrm>
-            <a:off x="618521" y="4457861"/>
-            <a:ext cx="1822671" cy="1822671"/>
-          </a:xfrm>
-          <a:prstGeom prst="rect">
-            <a:avLst/>
-          </a:prstGeom>
-          <a:noFill/>
-          <a:extLst>
-            <a:ext uri="{909E8E84-426E-40DD-AFC4-6F175D3DCCD1}">
-              <a14:hiddenFill xmlns:a14="http://schemas.microsoft.com/office/drawing/2010/main">
-                <a:solidFill>
-                  <a:srgbClr val="FFFFFF"/>
-                </a:solidFill>
-              </a14:hiddenFill>
-            </a:ext>
-          </a:extLst>
-        </p:spPr>
-      </p:pic>
-      <p:pic>
-        <p:nvPicPr>
-          <p:cNvPr id="10" name="Picture 2" descr="MPLAB XC Compilers Badge">
-            <a:extLst>
-              <a:ext uri="{FF2B5EF4-FFF2-40B4-BE49-F238E27FC236}">
-                <a16:creationId xmlns:a16="http://schemas.microsoft.com/office/drawing/2014/main" id="{797C01B8-1C53-6142-B492-1F71B1608DE5}"/>
-              </a:ext>
-            </a:extLst>
-          </p:cNvPr>
-          <p:cNvPicPr>
-            <a:picLocks noChangeAspect="1" noChangeArrowheads="1"/>
-          </p:cNvPicPr>
-          <p:nvPr/>
-        </p:nvPicPr>
-        <p:blipFill>
-          <a:blip r:embed="rId8">
-            <a:extLst>
-              <a:ext uri="{28A0092B-C50C-407E-A947-70E740481C1C}">
-                <a14:useLocalDpi xmlns:a14="http://schemas.microsoft.com/office/drawing/2010/main" val="0"/>
-              </a:ext>
-            </a:extLst>
-          </a:blip>
-          <a:srcRect/>
-          <a:stretch>
-            <a:fillRect/>
-          </a:stretch>
-        </p:blipFill>
-        <p:spPr bwMode="auto">
-          <a:xfrm>
-            <a:off x="2799766" y="4450394"/>
-            <a:ext cx="2005630" cy="1830137"/>
-          </a:xfrm>
-          <a:prstGeom prst="rect">
-            <a:avLst/>
-          </a:prstGeom>
-          <a:noFill/>
-          <a:extLst>
-            <a:ext uri="{909E8E84-426E-40DD-AFC4-6F175D3DCCD1}">
-              <a14:hiddenFill xmlns:a14="http://schemas.microsoft.com/office/drawing/2010/main">
-                <a:solidFill>
-                  <a:srgbClr val="FFFFFF"/>
-                </a:solidFill>
-              </a14:hiddenFill>
-            </a:ext>
-          </a:extLst>
-        </p:spPr>
-      </p:pic>
-      <p:pic>
-        <p:nvPicPr>
-          <p:cNvPr id="13" name="Picture 12">
-            <a:extLst>
-              <a:ext uri="{FF2B5EF4-FFF2-40B4-BE49-F238E27FC236}">
-                <a16:creationId xmlns:a16="http://schemas.microsoft.com/office/drawing/2014/main" id="{B50AAA15-5149-AD4A-94BC-7D56EC83B3D6}"/>
-              </a:ext>
-            </a:extLst>
-          </p:cNvPr>
-          <p:cNvPicPr>
-            <a:picLocks noChangeAspect="1"/>
-          </p:cNvPicPr>
-          <p:nvPr/>
-        </p:nvPicPr>
-        <p:blipFill>
-          <a:blip r:embed="rId9"/>
-          <a:stretch>
-            <a:fillRect/>
-          </a:stretch>
-        </p:blipFill>
-        <p:spPr>
-          <a:xfrm>
-            <a:off x="7729155" y="4631514"/>
-            <a:ext cx="2162629" cy="1467898"/>
-          </a:xfrm>
-          <a:prstGeom prst="rect">
-            <a:avLst/>
-          </a:prstGeom>
-        </p:spPr>
-      </p:pic>
-      <p:pic>
-        <p:nvPicPr>
-          <p:cNvPr id="15" name="Picture 14" descr="Icon&#10;&#10;Description automatically generated">
-            <a:extLst>
-              <a:ext uri="{FF2B5EF4-FFF2-40B4-BE49-F238E27FC236}">
-                <a16:creationId xmlns:a16="http://schemas.microsoft.com/office/drawing/2014/main" id="{1F29AE83-A96B-4049-BF98-F63669DEA379}"/>
-              </a:ext>
-            </a:extLst>
-          </p:cNvPr>
-          <p:cNvPicPr>
-            <a:picLocks noChangeAspect="1"/>
-          </p:cNvPicPr>
-          <p:nvPr/>
-        </p:nvPicPr>
-        <p:blipFill>
-          <a:blip r:embed="rId10"/>
-          <a:stretch>
-            <a:fillRect/>
-          </a:stretch>
-        </p:blipFill>
-        <p:spPr>
-          <a:xfrm>
-            <a:off x="9612149" y="1533140"/>
-            <a:ext cx="2566737" cy="2133600"/>
-          </a:xfrm>
-          <a:prstGeom prst="rect">
-            <a:avLst/>
-          </a:prstGeom>
-        </p:spPr>
-      </p:pic>
-      <p:pic>
-        <p:nvPicPr>
-          <p:cNvPr id="11266" name="Picture 2" descr="Microsoft logo">
-            <a:extLst>
-              <a:ext uri="{FF2B5EF4-FFF2-40B4-BE49-F238E27FC236}">
-                <a16:creationId xmlns:a16="http://schemas.microsoft.com/office/drawing/2014/main" id="{0FFF51D7-40D6-D345-BB94-C7CF7BDB73BB}"/>
-              </a:ext>
-            </a:extLst>
-          </p:cNvPr>
-          <p:cNvPicPr>
-            <a:picLocks noChangeAspect="1" noChangeArrowheads="1"/>
-          </p:cNvPicPr>
-          <p:nvPr/>
-        </p:nvPicPr>
-        <p:blipFill>
-          <a:blip r:embed="rId11">
-            <a:extLst>
-              <a:ext uri="{28A0092B-C50C-407E-A947-70E740481C1C}">
-                <a14:useLocalDpi xmlns:a14="http://schemas.microsoft.com/office/drawing/2010/main" val="0"/>
-              </a:ext>
-            </a:extLst>
-          </a:blip>
-          <a:srcRect/>
-          <a:stretch>
-            <a:fillRect/>
-          </a:stretch>
-        </p:blipFill>
-        <p:spPr bwMode="auto">
-          <a:xfrm>
-            <a:off x="7474725" y="1533140"/>
-            <a:ext cx="2313738" cy="1542492"/>
-          </a:xfrm>
-          <a:prstGeom prst="rect">
-            <a:avLst/>
-          </a:prstGeom>
-          <a:noFill/>
-          <a:extLst>
-            <a:ext uri="{909E8E84-426E-40DD-AFC4-6F175D3DCCD1}">
-              <a14:hiddenFill xmlns:a14="http://schemas.microsoft.com/office/drawing/2010/main">
-                <a:solidFill>
-                  <a:srgbClr val="FFFFFF"/>
-                </a:solidFill>
-              </a14:hiddenFill>
-            </a:ext>
-          </a:extLst>
-        </p:spPr>
-      </p:pic>
-      <p:pic>
-        <p:nvPicPr>
-          <p:cNvPr id="19" name="Picture 18" descr="A picture containing text&#10;&#10;Description automatically generated">
-            <a:extLst>
-              <a:ext uri="{FF2B5EF4-FFF2-40B4-BE49-F238E27FC236}">
-                <a16:creationId xmlns:a16="http://schemas.microsoft.com/office/drawing/2014/main" id="{937ACCB1-6C74-9045-BC30-B4A911FEE6BB}"/>
-              </a:ext>
-            </a:extLst>
-          </p:cNvPr>
-          <p:cNvPicPr>
-            <a:picLocks noChangeAspect="1"/>
-          </p:cNvPicPr>
-          <p:nvPr/>
-        </p:nvPicPr>
-        <p:blipFill>
-          <a:blip r:embed="rId12"/>
-          <a:stretch>
-            <a:fillRect/>
-          </a:stretch>
-        </p:blipFill>
-        <p:spPr>
-          <a:xfrm>
-            <a:off x="10031917" y="3540806"/>
-            <a:ext cx="1727200" cy="708152"/>
-          </a:xfrm>
-          <a:prstGeom prst="rect">
-            <a:avLst/>
-          </a:prstGeom>
-        </p:spPr>
-      </p:pic>
-      <p:pic>
-        <p:nvPicPr>
-          <p:cNvPr id="11268" name="Picture 4">
-            <a:extLst>
-              <a:ext uri="{FF2B5EF4-FFF2-40B4-BE49-F238E27FC236}">
-                <a16:creationId xmlns:a16="http://schemas.microsoft.com/office/drawing/2014/main" id="{2FB58AD5-8B7D-7F4F-A5EC-73097EDC6F29}"/>
-              </a:ext>
-            </a:extLst>
-          </p:cNvPr>
-          <p:cNvPicPr>
-            <a:picLocks noChangeAspect="1" noChangeArrowheads="1"/>
-          </p:cNvPicPr>
-          <p:nvPr/>
-        </p:nvPicPr>
-        <p:blipFill>
-          <a:blip r:embed="rId13">
-            <a:extLst>
-              <a:ext uri="{28A0092B-C50C-407E-A947-70E740481C1C}">
-                <a14:useLocalDpi xmlns:a14="http://schemas.microsoft.com/office/drawing/2010/main" val="0"/>
-              </a:ext>
-            </a:extLst>
-          </a:blip>
-          <a:srcRect/>
-          <a:stretch>
-            <a:fillRect/>
-          </a:stretch>
-        </p:blipFill>
-        <p:spPr bwMode="auto">
-          <a:xfrm>
-            <a:off x="5056843" y="4568259"/>
-            <a:ext cx="2313738" cy="1594408"/>
-          </a:xfrm>
-          <a:prstGeom prst="rect">
-            <a:avLst/>
-          </a:prstGeom>
-          <a:noFill/>
-          <a:extLst>
-            <a:ext uri="{909E8E84-426E-40DD-AFC4-6F175D3DCCD1}">
-              <a14:hiddenFill xmlns:a14="http://schemas.microsoft.com/office/drawing/2010/main">
-                <a:solidFill>
-                  <a:srgbClr val="FFFFFF"/>
-                </a:solidFill>
-              </a14:hiddenFill>
-            </a:ext>
-          </a:extLst>
-        </p:spPr>
-      </p:pic>
-      <p:sp>
-        <p:nvSpPr>
-          <p:cNvPr id="5" name="Explosion 1 4">
-            <a:extLst>
-              <a:ext uri="{FF2B5EF4-FFF2-40B4-BE49-F238E27FC236}">
-                <a16:creationId xmlns:a16="http://schemas.microsoft.com/office/drawing/2014/main" id="{CE624AA7-336D-6C41-A039-C613F8D3FD6D}"/>
-              </a:ext>
-            </a:extLst>
-          </p:cNvPr>
-          <p:cNvSpPr/>
-          <p:nvPr/>
-        </p:nvSpPr>
-        <p:spPr>
-          <a:xfrm>
-            <a:off x="6976011" y="2805254"/>
-            <a:ext cx="3160643" cy="1351601"/>
-          </a:xfrm>
-          <a:prstGeom prst="irregularSeal1">
-            <a:avLst/>
-          </a:prstGeom>
-          <a:solidFill>
-            <a:srgbClr val="FF0000"/>
-          </a:solidFill>
-          <a:ln>
-            <a:noFill/>
-          </a:ln>
-          <a:effectLst/>
-        </p:spPr>
-        <p:style>
-          <a:lnRef idx="1">
-            <a:schemeClr val="accent1"/>
-          </a:lnRef>
-          <a:fillRef idx="3">
-            <a:schemeClr val="accent1"/>
-          </a:fillRef>
-          <a:effectRef idx="2">
-            <a:schemeClr val="accent1"/>
-          </a:effectRef>
-          <a:fontRef idx="minor">
-            <a:schemeClr val="lt1"/>
-          </a:fontRef>
-        </p:style>
-        <p:txBody>
-          <a:bodyPr rot="0" spcFirstLastPara="0" vertOverflow="overflow" horzOverflow="overflow" vert="horz" wrap="square" lIns="91440" tIns="45720" rIns="91440" bIns="45720" numCol="1" spcCol="0" rtlCol="0" fromWordArt="0" anchor="ctr" anchorCtr="0" forceAA="0" compatLnSpc="1">
-            <a:prstTxWarp prst="textNoShape">
-              <a:avLst/>
-            </a:prstTxWarp>
-            <a:noAutofit/>
-          </a:bodyPr>
-          <a:lstStyle/>
-          <a:p>
-            <a:pPr algn="ctr"/>
-            <a:r>
-              <a:rPr lang="en-US" dirty="0">
-                <a:solidFill>
-                  <a:srgbClr val="FFFF00"/>
-                </a:solidFill>
-              </a:rPr>
-              <a:t>main branch</a:t>
-            </a:r>
-          </a:p>
-        </p:txBody>
-      </p:sp>
-      <p:sp>
-        <p:nvSpPr>
-          <p:cNvPr id="18" name="Up Arrow 17">
-            <a:extLst>
-              <a:ext uri="{FF2B5EF4-FFF2-40B4-BE49-F238E27FC236}">
-                <a16:creationId xmlns:a16="http://schemas.microsoft.com/office/drawing/2014/main" id="{436A0C94-CEDC-9E44-8FDF-3AF2A7D3C0AB}"/>
-              </a:ext>
-            </a:extLst>
-          </p:cNvPr>
-          <p:cNvSpPr/>
-          <p:nvPr/>
-        </p:nvSpPr>
-        <p:spPr>
-          <a:xfrm rot="18034317">
-            <a:off x="7520461" y="2304046"/>
-            <a:ext cx="365760" cy="929039"/>
-          </a:xfrm>
-          <a:prstGeom prst="upArrow">
-            <a:avLst/>
-          </a:prstGeom>
-          <a:solidFill>
-            <a:schemeClr val="tx1"/>
-          </a:solidFill>
-          <a:ln>
-            <a:noFill/>
-          </a:ln>
-          <a:effectLst/>
-        </p:spPr>
-        <p:style>
-          <a:lnRef idx="1">
-            <a:schemeClr val="accent1"/>
-          </a:lnRef>
-          <a:fillRef idx="3">
-            <a:schemeClr val="accent1"/>
-          </a:fillRef>
-          <a:effectRef idx="2">
-            <a:schemeClr val="accent1"/>
-          </a:effectRef>
-          <a:fontRef idx="minor">
-            <a:schemeClr val="lt1"/>
-          </a:fontRef>
-        </p:style>
-        <p:txBody>
-          <a:bodyPr rot="0" spcFirstLastPara="0" vertOverflow="overflow" horzOverflow="overflow" vert="horz" wrap="square" lIns="91440" tIns="45720" rIns="91440" bIns="45720" numCol="1" spcCol="0" rtlCol="0" fromWordArt="0" anchor="ctr" anchorCtr="0" forceAA="0" compatLnSpc="1">
-            <a:prstTxWarp prst="textNoShape">
-              <a:avLst/>
-            </a:prstTxWarp>
-            <a:noAutofit/>
-          </a:bodyPr>
-          <a:lstStyle/>
-          <a:p>
-            <a:pPr algn="ctr"/>
-            <a:endParaRPr lang="en-US"/>
-          </a:p>
-        </p:txBody>
-      </p:sp>
-      <p:sp>
-        <p:nvSpPr>
-          <p:cNvPr id="20" name="Rectangle 19">
-            <a:extLst>
-              <a:ext uri="{FF2B5EF4-FFF2-40B4-BE49-F238E27FC236}">
-                <a16:creationId xmlns:a16="http://schemas.microsoft.com/office/drawing/2014/main" id="{AE33937E-52A8-2A4F-A1E4-25C27BBFB9AA}"/>
-              </a:ext>
-            </a:extLst>
-          </p:cNvPr>
-          <p:cNvSpPr/>
-          <p:nvPr/>
-        </p:nvSpPr>
-        <p:spPr>
-          <a:xfrm>
-            <a:off x="701040" y="2153920"/>
-            <a:ext cx="6593840" cy="365760"/>
-          </a:xfrm>
-          <a:prstGeom prst="rect">
-            <a:avLst/>
-          </a:prstGeom>
-          <a:noFill/>
-          <a:ln w="19050">
-            <a:solidFill>
-              <a:srgbClr val="FF0000"/>
-            </a:solidFill>
-          </a:ln>
-          <a:effectLst/>
-        </p:spPr>
-        <p:style>
-          <a:lnRef idx="1">
-            <a:schemeClr val="accent1"/>
-          </a:lnRef>
-          <a:fillRef idx="3">
-            <a:schemeClr val="accent1"/>
-          </a:fillRef>
-          <a:effectRef idx="2">
-            <a:schemeClr val="accent1"/>
-          </a:effectRef>
-          <a:fontRef idx="minor">
-            <a:schemeClr val="lt1"/>
-          </a:fontRef>
-        </p:style>
-        <p:txBody>
-          <a:bodyPr rot="0" spcFirstLastPara="0" vertOverflow="overflow" horzOverflow="overflow" vert="horz" wrap="square" lIns="91440" tIns="45720" rIns="91440" bIns="45720" numCol="1" spcCol="0" rtlCol="0" fromWordArt="0" anchor="ctr" anchorCtr="0" forceAA="0" compatLnSpc="1">
-            <a:prstTxWarp prst="textNoShape">
-              <a:avLst/>
-            </a:prstTxWarp>
-            <a:noAutofit/>
-          </a:bodyPr>
-          <a:lstStyle/>
-          <a:p>
-            <a:pPr algn="ctr"/>
-            <a:endParaRPr lang="en-US"/>
-          </a:p>
-        </p:txBody>
-      </p:sp>
-    </p:spTree>
-    <p:extLst>
-      <p:ext uri="{BB962C8B-B14F-4D97-AF65-F5344CB8AC3E}">
-        <p14:creationId xmlns:p14="http://schemas.microsoft.com/office/powerpoint/2010/main" val="1642522155"/>
-      </p:ext>
-    </p:extLst>
-  </p:cSld>
-  <p:clrMapOvr>
-    <a:masterClrMapping/>
-  </p:clrMapOvr>
-  <p:transition>
-    <p:fade/>
-  </p:transition>
-  <p:timing>
-    <p:tnLst>
-      <p:par>
-        <p:cTn id="1" dur="indefinite" restart="never" nodeType="tmRoot">
-          <p:childTnLst>
-            <p:seq concurrent="1" nextAc="seek">
-              <p:cTn id="2" dur="indefinite" nodeType="mainSeq">
-                <p:childTnLst>
-                  <p:par>
-                    <p:cTn id="3" fill="hold">
-                      <p:stCondLst>
-                        <p:cond delay="indefinite"/>
-                      </p:stCondLst>
-                      <p:childTnLst>
-                        <p:par>
-                          <p:cTn id="4" fill="hold">
-                            <p:stCondLst>
-                              <p:cond delay="0"/>
-                            </p:stCondLst>
-                            <p:childTnLst>
-                              <p:par>
-                                <p:cTn id="5" presetID="45" presetClass="entr" presetSubtype="0" fill="hold" grpId="0" nodeType="clickEffect">
-                                  <p:stCondLst>
-                                    <p:cond delay="0"/>
-                                  </p:stCondLst>
-                                  <p:childTnLst>
-                                    <p:set>
-                                      <p:cBhvr>
-                                        <p:cTn id="6" dur="1" fill="hold">
-                                          <p:stCondLst>
-                                            <p:cond delay="0"/>
-                                          </p:stCondLst>
-                                        </p:cTn>
-                                        <p:tgtEl>
-                                          <p:spTgt spid="5"/>
-                                        </p:tgtEl>
-                                        <p:attrNameLst>
-                                          <p:attrName>style.visibility</p:attrName>
-                                        </p:attrNameLst>
-                                      </p:cBhvr>
-                                      <p:to>
-                                        <p:strVal val="visible"/>
-                                      </p:to>
-                                    </p:set>
-                                    <p:animEffect transition="in" filter="fade">
-                                      <p:cBhvr>
-                                        <p:cTn id="7" dur="3000"/>
-                                        <p:tgtEl>
-                                          <p:spTgt spid="5"/>
-                                        </p:tgtEl>
-                                      </p:cBhvr>
-                                    </p:animEffect>
-                                    <p:anim calcmode="lin" valueType="num">
-                                      <p:cBhvr>
-                                        <p:cTn id="8" dur="3000" fill="hold"/>
-                                        <p:tgtEl>
-                                          <p:spTgt spid="5"/>
-                                        </p:tgtEl>
-                                        <p:attrNameLst>
-                                          <p:attrName>ppt_w</p:attrName>
-                                        </p:attrNameLst>
-                                      </p:cBhvr>
-                                      <p:tavLst>
-                                        <p:tav tm="0" fmla="#ppt_w*sin(2.5*pi*$)">
-                                          <p:val>
-                                            <p:fltVal val="0"/>
-                                          </p:val>
-                                        </p:tav>
-                                        <p:tav tm="100000">
-                                          <p:val>
-                                            <p:fltVal val="1"/>
-                                          </p:val>
-                                        </p:tav>
-                                      </p:tavLst>
-                                    </p:anim>
-                                    <p:anim calcmode="lin" valueType="num">
-                                      <p:cBhvr>
-                                        <p:cTn id="9" dur="3000" fill="hold"/>
-                                        <p:tgtEl>
-                                          <p:spTgt spid="5"/>
-                                        </p:tgtEl>
-                                        <p:attrNameLst>
-                                          <p:attrName>ppt_h</p:attrName>
-                                        </p:attrNameLst>
-                                      </p:cBhvr>
-                                      <p:tavLst>
-                                        <p:tav tm="0">
-                                          <p:val>
-                                            <p:strVal val="#ppt_h"/>
-                                          </p:val>
-                                        </p:tav>
-                                        <p:tav tm="100000">
-                                          <p:val>
-                                            <p:strVal val="#ppt_h"/>
-                                          </p:val>
-                                        </p:tav>
-                                      </p:tavLst>
-                                    </p:anim>
-                                  </p:childTnLst>
-                                </p:cTn>
-                              </p:par>
-                              <p:par>
-                                <p:cTn id="10" presetID="22" presetClass="entr" presetSubtype="2" fill="hold" grpId="0" nodeType="withEffect">
-                                  <p:stCondLst>
-                                    <p:cond delay="0"/>
-                                  </p:stCondLst>
-                                  <p:childTnLst>
-                                    <p:set>
-                                      <p:cBhvr>
-                                        <p:cTn id="11" dur="1" fill="hold">
-                                          <p:stCondLst>
-                                            <p:cond delay="0"/>
-                                          </p:stCondLst>
-                                        </p:cTn>
-                                        <p:tgtEl>
-                                          <p:spTgt spid="18"/>
-                                        </p:tgtEl>
-                                        <p:attrNameLst>
-                                          <p:attrName>style.visibility</p:attrName>
-                                        </p:attrNameLst>
-                                      </p:cBhvr>
-                                      <p:to>
-                                        <p:strVal val="visible"/>
-                                      </p:to>
-                                    </p:set>
-                                    <p:animEffect transition="in" filter="wipe(right)">
-                                      <p:cBhvr>
-                                        <p:cTn id="12" dur="500"/>
-                                        <p:tgtEl>
-                                          <p:spTgt spid="18"/>
-                                        </p:tgtEl>
-                                      </p:cBhvr>
-                                    </p:animEffect>
-                                  </p:childTnLst>
-                                </p:cTn>
-                              </p:par>
-                              <p:par>
-                                <p:cTn id="13" presetID="1" presetClass="entr" presetSubtype="0" fill="hold" grpId="0" nodeType="withEffect">
-                                  <p:stCondLst>
-                                    <p:cond delay="0"/>
-                                  </p:stCondLst>
-                                  <p:childTnLst>
-                                    <p:set>
-                                      <p:cBhvr>
-                                        <p:cTn id="14" dur="1" fill="hold">
-                                          <p:stCondLst>
-                                            <p:cond delay="0"/>
-                                          </p:stCondLst>
-                                        </p:cTn>
-                                        <p:tgtEl>
-                                          <p:spTgt spid="20"/>
-                                        </p:tgtEl>
-                                        <p:attrNameLst>
-                                          <p:attrName>style.visibility</p:attrName>
-                                        </p:attrNameLst>
-                                      </p:cBhvr>
-                                      <p:to>
-                                        <p:strVal val="visible"/>
-                                      </p:to>
-                                    </p:set>
-                                  </p:childTnLst>
-                                </p:cTn>
-                              </p:par>
-                            </p:childTnLst>
-                          </p:cTn>
-                        </p:par>
-                      </p:childTnLst>
-                    </p:cTn>
-                  </p:par>
-                </p:childTnLst>
-              </p:cTn>
-              <p:prevCondLst>
-                <p:cond evt="onPrev" delay="0">
-                  <p:tgtEl>
-                    <p:sldTgt/>
-                  </p:tgtEl>
-                </p:cond>
-              </p:prevCondLst>
-              <p:nextCondLst>
-                <p:cond evt="onNext" delay="0">
-                  <p:tgtEl>
-                    <p:sldTgt/>
-                  </p:tgtEl>
-                </p:cond>
-              </p:nextCondLst>
-            </p:seq>
-          </p:childTnLst>
-        </p:cTn>
-      </p:par>
-    </p:tnLst>
-    <p:bldLst>
-      <p:bldP spid="5" grpId="0" animBg="1"/>
-      <p:bldP spid="18" grpId="0" animBg="1"/>
-      <p:bldP spid="20" grpId="0" animBg="1"/>
-    </p:bldLst>
-  </p:timing>
-</p:sld>
-</file>
-
-<file path=ppt/slides/slide16.xml><?xml version="1.0" encoding="utf-8"?>
 <p:sld xmlns:a="http://schemas.openxmlformats.org/drawingml/2006/main" xmlns:r="http://schemas.openxmlformats.org/officeDocument/2006/relationships" xmlns:p="http://schemas.openxmlformats.org/presentationml/2006/main">
   <p:cSld>
     <p:spTree>
@@ -14646,7 +13783,7 @@
 </p:sld>
 </file>
 
-<file path=ppt/slides/slide17.xml><?xml version="1.0" encoding="utf-8"?>
+<file path=ppt/slides/slide16.xml><?xml version="1.0" encoding="utf-8"?>
 <p:sld xmlns:a="http://schemas.openxmlformats.org/drawingml/2006/main" xmlns:r="http://schemas.openxmlformats.org/officeDocument/2006/relationships" xmlns:p="http://schemas.openxmlformats.org/presentationml/2006/main">
   <p:cSld>
     <p:spTree>
@@ -14679,7 +13816,7 @@
         </p:nvCxnSpPr>
         <p:spPr>
           <a:xfrm>
-            <a:off x="4731277" y="1624510"/>
+            <a:off x="4731277" y="1571959"/>
             <a:ext cx="6901796" cy="13495"/>
           </a:xfrm>
           <a:prstGeom prst="straightConnector1">
@@ -14722,7 +13859,7 @@
         </p:nvCxnSpPr>
         <p:spPr>
           <a:xfrm>
-            <a:off x="1386319" y="1638005"/>
+            <a:off x="1386319" y="1585454"/>
             <a:ext cx="3319861" cy="0"/>
           </a:xfrm>
           <a:prstGeom prst="straightConnector1">
@@ -14802,13 +13939,13 @@
           <p:nvPr>
             <p:extLst>
               <p:ext uri="{D42A27DB-BD31-4B8C-83A1-F6EECF244321}">
-                <p14:modId xmlns:p14="http://schemas.microsoft.com/office/powerpoint/2010/main" val="394410792"/>
+                <p14:modId xmlns:p14="http://schemas.microsoft.com/office/powerpoint/2010/main" val="1466525834"/>
               </p:ext>
             </p:extLst>
           </p:nvPr>
         </p:nvGraphicFramePr>
         <p:xfrm>
-          <a:off x="555751" y="1905966"/>
+          <a:off x="555751" y="1853415"/>
           <a:ext cx="11077322" cy="3606800"/>
         </p:xfrm>
         <a:graphic>
@@ -16808,7 +15945,7 @@
         </p:nvCxnSpPr>
         <p:spPr>
           <a:xfrm flipV="1">
-            <a:off x="4731277" y="1433365"/>
+            <a:off x="4731277" y="1380814"/>
             <a:ext cx="0" cy="471447"/>
           </a:xfrm>
           <a:prstGeom prst="line">
@@ -16852,7 +15989,7 @@
         </p:nvCxnSpPr>
         <p:spPr>
           <a:xfrm flipV="1">
-            <a:off x="11633073" y="1034929"/>
+            <a:off x="11633073" y="982378"/>
             <a:ext cx="0" cy="871037"/>
           </a:xfrm>
           <a:prstGeom prst="line">
@@ -16894,7 +16031,7 @@
         </p:nvSpPr>
         <p:spPr>
           <a:xfrm>
-            <a:off x="2480303" y="1407172"/>
+            <a:off x="2480303" y="1354621"/>
             <a:ext cx="1131893" cy="461665"/>
           </a:xfrm>
           <a:prstGeom prst="rect">
@@ -16932,7 +16069,7 @@
         </p:nvSpPr>
         <p:spPr>
           <a:xfrm>
-            <a:off x="7443207" y="1385663"/>
+            <a:off x="7443207" y="1333112"/>
             <a:ext cx="1245245" cy="461665"/>
           </a:xfrm>
           <a:prstGeom prst="rect">
@@ -16972,7 +16109,7 @@
         </p:nvCxnSpPr>
         <p:spPr>
           <a:xfrm flipV="1">
-            <a:off x="1386319" y="1034929"/>
+            <a:off x="1386319" y="982378"/>
             <a:ext cx="0" cy="871037"/>
           </a:xfrm>
           <a:prstGeom prst="line">
@@ -17016,7 +16153,7 @@
         </p:nvCxnSpPr>
         <p:spPr>
           <a:xfrm>
-            <a:off x="1386319" y="1226937"/>
+            <a:off x="1386319" y="1174386"/>
             <a:ext cx="10246754" cy="0"/>
           </a:xfrm>
           <a:prstGeom prst="straightConnector1">
@@ -17057,7 +16194,7 @@
         </p:nvSpPr>
         <p:spPr>
           <a:xfrm>
-            <a:off x="4938811" y="972854"/>
+            <a:off x="4938811" y="920303"/>
             <a:ext cx="1610717" cy="461665"/>
           </a:xfrm>
           <a:prstGeom prst="rect">
@@ -17095,8 +16232,8 @@
         </p:nvSpPr>
         <p:spPr>
           <a:xfrm>
-            <a:off x="684005" y="5612085"/>
-            <a:ext cx="9500520" cy="1077218"/>
+            <a:off x="555751" y="5482010"/>
+            <a:ext cx="10038678" cy="1323439"/>
           </a:xfrm>
           <a:prstGeom prst="rect">
             <a:avLst/>
@@ -17127,7 +16264,24 @@
                 <a:latin typeface="Arial" panose="020B0604020202020204" pitchFamily="34" charset="0"/>
                 <a:cs typeface="Arial" panose="020B0604020202020204" pitchFamily="34" charset="0"/>
               </a:rPr>
-              <a:t>Interframe delay = 500 msec</a:t>
+              <a:t>Disable SAM-IoT light &amp; temperature sensor telemetry reports (set the </a:t>
+            </a:r>
+            <a:r>
+              <a:rPr lang="en-US" sz="1600" dirty="0" err="1">
+                <a:highlight>
+                  <a:srgbClr val="FFFF00"/>
+                </a:highlight>
+                <a:latin typeface="Courier" pitchFamily="2" charset="0"/>
+                <a:cs typeface="Arial" panose="020B0604020202020204" pitchFamily="34" charset="0"/>
+              </a:rPr>
+              <a:t>disableTelemetry</a:t>
+            </a:r>
+            <a:r>
+              <a:rPr lang="en-US" sz="1600" dirty="0">
+                <a:latin typeface="Arial" panose="020B0604020202020204" pitchFamily="34" charset="0"/>
+                <a:cs typeface="Arial" panose="020B0604020202020204" pitchFamily="34" charset="0"/>
+              </a:rPr>
+              <a:t> property = 3)</a:t>
             </a:r>
           </a:p>
           <a:p>
@@ -17140,7 +16294,7 @@
                 <a:latin typeface="Arial" panose="020B0604020202020204" pitchFamily="34" charset="0"/>
                 <a:cs typeface="Arial" panose="020B0604020202020204" pitchFamily="34" charset="0"/>
               </a:rPr>
-              <a:t>SCLK = 30 kHz</a:t>
+              <a:t>Interframe delay = 500 msec</a:t>
             </a:r>
           </a:p>
           <a:p>
@@ -17153,7 +16307,20 @@
                 <a:latin typeface="Arial" panose="020B0604020202020204" pitchFamily="34" charset="0"/>
                 <a:cs typeface="Arial" panose="020B0604020202020204" pitchFamily="34" charset="0"/>
               </a:rPr>
-              <a:t>Recommendation: Each data frame should be preceded with the CLI command </a:t>
+              <a:t>SPI Master SCK = 30 kHz</a:t>
+            </a:r>
+          </a:p>
+          <a:p>
+            <a:pPr marL="285750" indent="-285750">
+              <a:buFont typeface="Arial" panose="020B0604020202020204" pitchFamily="34" charset="0"/>
+              <a:buChar char="•"/>
+            </a:pPr>
+            <a:r>
+              <a:rPr lang="en-US" sz="1600" dirty="0">
+                <a:latin typeface="Arial" panose="020B0604020202020204" pitchFamily="34" charset="0"/>
+                <a:cs typeface="Arial" panose="020B0604020202020204" pitchFamily="34" charset="0"/>
+              </a:rPr>
+              <a:t>[Recommendation] Each data frame should be preceded with the CLI command </a:t>
             </a:r>
             <a:r>
               <a:rPr lang="en-US" sz="1600" dirty="0">
@@ -17172,6 +16339,107 @@
     <p:extLst>
       <p:ext uri="{BB962C8B-B14F-4D97-AF65-F5344CB8AC3E}">
         <p14:creationId xmlns:p14="http://schemas.microsoft.com/office/powerpoint/2010/main" val="3345453502"/>
+      </p:ext>
+    </p:extLst>
+  </p:cSld>
+  <p:clrMapOvr>
+    <a:masterClrMapping/>
+  </p:clrMapOvr>
+</p:sld>
+</file>
+
+<file path=ppt/slides/slide17.xml><?xml version="1.0" encoding="utf-8"?>
+<p:sld xmlns:a="http://schemas.openxmlformats.org/drawingml/2006/main" xmlns:r="http://schemas.openxmlformats.org/officeDocument/2006/relationships" xmlns:p="http://schemas.openxmlformats.org/presentationml/2006/main">
+  <p:cSld>
+    <p:spTree>
+      <p:nvGrpSpPr>
+        <p:cNvPr id="1" name=""/>
+        <p:cNvGrpSpPr/>
+        <p:nvPr/>
+      </p:nvGrpSpPr>
+      <p:grpSpPr>
+        <a:xfrm>
+          <a:off x="0" y="0"/>
+          <a:ext cx="0" cy="0"/>
+          <a:chOff x="0" y="0"/>
+          <a:chExt cx="0" cy="0"/>
+        </a:xfrm>
+      </p:grpSpPr>
+      <p:sp>
+        <p:nvSpPr>
+          <p:cNvPr id="2" name="Title 1">
+            <a:extLst>
+              <a:ext uri="{FF2B5EF4-FFF2-40B4-BE49-F238E27FC236}">
+                <a16:creationId xmlns:a16="http://schemas.microsoft.com/office/drawing/2014/main" id="{EBC90E80-F8C7-234E-BF60-75FE26D5BC74}"/>
+              </a:ext>
+            </a:extLst>
+          </p:cNvPr>
+          <p:cNvSpPr>
+            <a:spLocks noGrp="1"/>
+          </p:cNvSpPr>
+          <p:nvPr>
+            <p:ph type="title"/>
+          </p:nvPr>
+        </p:nvSpPr>
+        <p:spPr>
+          <a:xfrm>
+            <a:off x="355509" y="96296"/>
+            <a:ext cx="11400661" cy="777240"/>
+          </a:xfrm>
+        </p:spPr>
+        <p:txBody>
+          <a:bodyPr anchor="t">
+            <a:normAutofit fontScale="90000"/>
+          </a:bodyPr>
+          <a:lstStyle/>
+          <a:p>
+            <a:pPr>
+              <a:lnSpc>
+                <a:spcPct val="90000"/>
+              </a:lnSpc>
+            </a:pPr>
+            <a:r>
+              <a:rPr lang="en-US" dirty="0"/>
+              <a:t>IoT Central Dashboard – 4 Data Buckets Visualized</a:t>
+            </a:r>
+          </a:p>
+        </p:txBody>
+      </p:sp>
+      <p:pic>
+        <p:nvPicPr>
+          <p:cNvPr id="5" name="Picture 4" descr="Graphical user interface, table&#10;&#10;Description automatically generated">
+            <a:extLst>
+              <a:ext uri="{FF2B5EF4-FFF2-40B4-BE49-F238E27FC236}">
+                <a16:creationId xmlns:a16="http://schemas.microsoft.com/office/drawing/2014/main" id="{9F3BC8DA-A3B2-004F-9B23-DF9355F56DD6}"/>
+              </a:ext>
+            </a:extLst>
+          </p:cNvPr>
+          <p:cNvPicPr>
+            <a:picLocks noChangeAspect="1"/>
+          </p:cNvPicPr>
+          <p:nvPr/>
+        </p:nvPicPr>
+        <p:blipFill>
+          <a:blip r:embed="rId2"/>
+          <a:stretch>
+            <a:fillRect/>
+          </a:stretch>
+        </p:blipFill>
+        <p:spPr>
+          <a:xfrm>
+            <a:off x="354778" y="1008154"/>
+            <a:ext cx="11400660" cy="5215800"/>
+          </a:xfrm>
+          <a:prstGeom prst="rect">
+            <a:avLst/>
+          </a:prstGeom>
+          <a:noFill/>
+        </p:spPr>
+      </p:pic>
+    </p:spTree>
+    <p:extLst>
+      <p:ext uri="{BB962C8B-B14F-4D97-AF65-F5344CB8AC3E}">
+        <p14:creationId xmlns:p14="http://schemas.microsoft.com/office/powerpoint/2010/main" val="370542450"/>
       </p:ext>
     </p:extLst>
   </p:cSld>
@@ -17222,7 +16490,7 @@
         </p:spPr>
         <p:txBody>
           <a:bodyPr anchor="t">
-            <a:normAutofit fontScale="90000"/>
+            <a:normAutofit/>
           </a:bodyPr>
           <a:lstStyle/>
           <a:p>
@@ -17233,110 +16501,8 @@
             </a:pPr>
             <a:r>
               <a:rPr lang="en-US" dirty="0"/>
-              <a:t>Azure IoT Central App – 4 Data Buckets Visualized</a:t>
-            </a:r>
-          </a:p>
-        </p:txBody>
-      </p:sp>
-      <p:pic>
-        <p:nvPicPr>
-          <p:cNvPr id="5" name="Picture 4" descr="Graphical user interface, table&#10;&#10;Description automatically generated">
-            <a:extLst>
-              <a:ext uri="{FF2B5EF4-FFF2-40B4-BE49-F238E27FC236}">
-                <a16:creationId xmlns:a16="http://schemas.microsoft.com/office/drawing/2014/main" id="{9F3BC8DA-A3B2-004F-9B23-DF9355F56DD6}"/>
-              </a:ext>
-            </a:extLst>
-          </p:cNvPr>
-          <p:cNvPicPr>
-            <a:picLocks noChangeAspect="1"/>
-          </p:cNvPicPr>
-          <p:nvPr/>
-        </p:nvPicPr>
-        <p:blipFill>
-          <a:blip r:embed="rId2"/>
-          <a:stretch>
-            <a:fillRect/>
-          </a:stretch>
-        </p:blipFill>
-        <p:spPr>
-          <a:xfrm>
-            <a:off x="354778" y="1008154"/>
-            <a:ext cx="11400660" cy="5215800"/>
-          </a:xfrm>
-          <a:prstGeom prst="rect">
-            <a:avLst/>
-          </a:prstGeom>
-          <a:noFill/>
-        </p:spPr>
-      </p:pic>
-    </p:spTree>
-    <p:extLst>
-      <p:ext uri="{BB962C8B-B14F-4D97-AF65-F5344CB8AC3E}">
-        <p14:creationId xmlns:p14="http://schemas.microsoft.com/office/powerpoint/2010/main" val="370542450"/>
-      </p:ext>
-    </p:extLst>
-  </p:cSld>
-  <p:clrMapOvr>
-    <a:masterClrMapping/>
-  </p:clrMapOvr>
-</p:sld>
-</file>
-
-<file path=ppt/slides/slide19.xml><?xml version="1.0" encoding="utf-8"?>
-<p:sld xmlns:a="http://schemas.openxmlformats.org/drawingml/2006/main" xmlns:r="http://schemas.openxmlformats.org/officeDocument/2006/relationships" xmlns:p="http://schemas.openxmlformats.org/presentationml/2006/main">
-  <p:cSld>
-    <p:spTree>
-      <p:nvGrpSpPr>
-        <p:cNvPr id="1" name=""/>
-        <p:cNvGrpSpPr/>
-        <p:nvPr/>
-      </p:nvGrpSpPr>
-      <p:grpSpPr>
-        <a:xfrm>
-          <a:off x="0" y="0"/>
-          <a:ext cx="0" cy="0"/>
-          <a:chOff x="0" y="0"/>
-          <a:chExt cx="0" cy="0"/>
-        </a:xfrm>
-      </p:grpSpPr>
-      <p:sp>
-        <p:nvSpPr>
-          <p:cNvPr id="2" name="Title 1">
-            <a:extLst>
-              <a:ext uri="{FF2B5EF4-FFF2-40B4-BE49-F238E27FC236}">
-                <a16:creationId xmlns:a16="http://schemas.microsoft.com/office/drawing/2014/main" id="{EBC90E80-F8C7-234E-BF60-75FE26D5BC74}"/>
-              </a:ext>
-            </a:extLst>
-          </p:cNvPr>
-          <p:cNvSpPr>
-            <a:spLocks noGrp="1"/>
-          </p:cNvSpPr>
-          <p:nvPr>
-            <p:ph type="title"/>
-          </p:nvPr>
-        </p:nvSpPr>
-        <p:spPr>
-          <a:xfrm>
-            <a:off x="355509" y="96296"/>
-            <a:ext cx="11400661" cy="777240"/>
-          </a:xfrm>
-        </p:spPr>
-        <p:txBody>
-          <a:bodyPr anchor="t">
-            <a:normAutofit/>
-          </a:bodyPr>
-          <a:lstStyle/>
-          <a:p>
-            <a:pPr>
-              <a:lnSpc>
-                <a:spcPct val="90000"/>
-              </a:lnSpc>
-            </a:pPr>
-            <a:r>
-              <a:rPr lang="en-US"/>
-              <a:t>Azure IoT Central App – Raw Data Messages</a:t>
-            </a:r>
-            <a:endParaRPr lang="en-US" dirty="0"/>
+              <a:t>View Raw Data Messages Received by the App</a:t>
+            </a:r>
           </a:p>
         </p:txBody>
       </p:sp>
@@ -17580,6 +16746,244 @@
           </a:prstGeom>
         </p:spPr>
       </p:pic>
+      <p:sp>
+        <p:nvSpPr>
+          <p:cNvPr id="3" name="Oval 2">
+            <a:extLst>
+              <a:ext uri="{FF2B5EF4-FFF2-40B4-BE49-F238E27FC236}">
+                <a16:creationId xmlns:a16="http://schemas.microsoft.com/office/drawing/2014/main" id="{D17EC579-C548-DC47-A875-C982B8669B15}"/>
+              </a:ext>
+            </a:extLst>
+          </p:cNvPr>
+          <p:cNvSpPr/>
+          <p:nvPr/>
+        </p:nvSpPr>
+        <p:spPr>
+          <a:xfrm>
+            <a:off x="7283669" y="5298021"/>
+            <a:ext cx="1019503" cy="325821"/>
+          </a:xfrm>
+          <a:prstGeom prst="ellipse">
+            <a:avLst/>
+          </a:prstGeom>
+          <a:noFill/>
+          <a:ln w="19050">
+            <a:solidFill>
+              <a:srgbClr val="FF0000"/>
+            </a:solidFill>
+          </a:ln>
+          <a:effectLst/>
+        </p:spPr>
+        <p:style>
+          <a:lnRef idx="1">
+            <a:schemeClr val="accent1"/>
+          </a:lnRef>
+          <a:fillRef idx="3">
+            <a:schemeClr val="accent1"/>
+          </a:fillRef>
+          <a:effectRef idx="2">
+            <a:schemeClr val="accent1"/>
+          </a:effectRef>
+          <a:fontRef idx="minor">
+            <a:schemeClr val="lt1"/>
+          </a:fontRef>
+        </p:style>
+        <p:txBody>
+          <a:bodyPr rot="0" spcFirstLastPara="0" vertOverflow="overflow" horzOverflow="overflow" vert="horz" wrap="square" lIns="91440" tIns="45720" rIns="91440" bIns="45720" numCol="1" spcCol="0" rtlCol="0" fromWordArt="0" anchor="ctr" anchorCtr="0" forceAA="0" compatLnSpc="1">
+            <a:prstTxWarp prst="textNoShape">
+              <a:avLst/>
+            </a:prstTxWarp>
+            <a:noAutofit/>
+          </a:bodyPr>
+          <a:lstStyle/>
+          <a:p>
+            <a:pPr algn="ctr"/>
+            <a:endParaRPr lang="en-US"/>
+          </a:p>
+        </p:txBody>
+      </p:sp>
+      <p:sp>
+        <p:nvSpPr>
+          <p:cNvPr id="12" name="Oval 11">
+            <a:extLst>
+              <a:ext uri="{FF2B5EF4-FFF2-40B4-BE49-F238E27FC236}">
+                <a16:creationId xmlns:a16="http://schemas.microsoft.com/office/drawing/2014/main" id="{786C078F-2E8D-9842-AF7F-D3F88D30AC09}"/>
+              </a:ext>
+            </a:extLst>
+          </p:cNvPr>
+          <p:cNvSpPr/>
+          <p:nvPr/>
+        </p:nvSpPr>
+        <p:spPr>
+          <a:xfrm>
+            <a:off x="2852494" y="989946"/>
+            <a:ext cx="1019503" cy="325821"/>
+          </a:xfrm>
+          <a:prstGeom prst="ellipse">
+            <a:avLst/>
+          </a:prstGeom>
+          <a:noFill/>
+          <a:ln w="19050">
+            <a:solidFill>
+              <a:srgbClr val="FF0000"/>
+            </a:solidFill>
+          </a:ln>
+          <a:effectLst/>
+        </p:spPr>
+        <p:style>
+          <a:lnRef idx="1">
+            <a:schemeClr val="accent1"/>
+          </a:lnRef>
+          <a:fillRef idx="3">
+            <a:schemeClr val="accent1"/>
+          </a:fillRef>
+          <a:effectRef idx="2">
+            <a:schemeClr val="accent1"/>
+          </a:effectRef>
+          <a:fontRef idx="minor">
+            <a:schemeClr val="lt1"/>
+          </a:fontRef>
+        </p:style>
+        <p:txBody>
+          <a:bodyPr rot="0" spcFirstLastPara="0" vertOverflow="overflow" horzOverflow="overflow" vert="horz" wrap="square" lIns="91440" tIns="45720" rIns="91440" bIns="45720" numCol="1" spcCol="0" rtlCol="0" fromWordArt="0" anchor="ctr" anchorCtr="0" forceAA="0" compatLnSpc="1">
+            <a:prstTxWarp prst="textNoShape">
+              <a:avLst/>
+            </a:prstTxWarp>
+            <a:noAutofit/>
+          </a:bodyPr>
+          <a:lstStyle/>
+          <a:p>
+            <a:pPr algn="ctr"/>
+            <a:endParaRPr lang="en-US"/>
+          </a:p>
+        </p:txBody>
+      </p:sp>
+      <p:sp>
+        <p:nvSpPr>
+          <p:cNvPr id="4" name="Left Arrow 3">
+            <a:extLst>
+              <a:ext uri="{FF2B5EF4-FFF2-40B4-BE49-F238E27FC236}">
+                <a16:creationId xmlns:a16="http://schemas.microsoft.com/office/drawing/2014/main" id="{D52EBEC0-7649-B74C-BEDF-A857FEDD669A}"/>
+              </a:ext>
+            </a:extLst>
+          </p:cNvPr>
+          <p:cNvSpPr/>
+          <p:nvPr/>
+        </p:nvSpPr>
+        <p:spPr>
+          <a:xfrm>
+            <a:off x="8355723" y="5102771"/>
+            <a:ext cx="3329385" cy="693683"/>
+          </a:xfrm>
+          <a:prstGeom prst="leftArrow">
+            <a:avLst/>
+          </a:prstGeom>
+          <a:solidFill>
+            <a:srgbClr val="FFC000"/>
+          </a:solidFill>
+          <a:ln>
+            <a:noFill/>
+          </a:ln>
+          <a:effectLst/>
+        </p:spPr>
+        <p:style>
+          <a:lnRef idx="1">
+            <a:schemeClr val="accent1"/>
+          </a:lnRef>
+          <a:fillRef idx="3">
+            <a:schemeClr val="accent1"/>
+          </a:fillRef>
+          <a:effectRef idx="2">
+            <a:schemeClr val="accent1"/>
+          </a:effectRef>
+          <a:fontRef idx="minor">
+            <a:schemeClr val="lt1"/>
+          </a:fontRef>
+        </p:style>
+        <p:txBody>
+          <a:bodyPr rot="0" spcFirstLastPara="0" vertOverflow="overflow" horzOverflow="overflow" vert="horz" wrap="square" lIns="91440" tIns="45720" rIns="91440" bIns="45720" numCol="1" spcCol="0" rtlCol="0" fromWordArt="0" anchor="ctr" anchorCtr="0" forceAA="0" compatLnSpc="1">
+            <a:prstTxWarp prst="textNoShape">
+              <a:avLst/>
+            </a:prstTxWarp>
+            <a:noAutofit/>
+          </a:bodyPr>
+          <a:lstStyle/>
+          <a:p>
+            <a:pPr algn="ctr"/>
+            <a:r>
+              <a:rPr lang="en-US" dirty="0">
+                <a:solidFill>
+                  <a:schemeClr val="tx1"/>
+                </a:solidFill>
+              </a:rPr>
+              <a:t>First Received Message</a:t>
+            </a:r>
+          </a:p>
+        </p:txBody>
+      </p:sp>
+      <p:sp>
+        <p:nvSpPr>
+          <p:cNvPr id="14" name="Left Arrow 13">
+            <a:extLst>
+              <a:ext uri="{FF2B5EF4-FFF2-40B4-BE49-F238E27FC236}">
+                <a16:creationId xmlns:a16="http://schemas.microsoft.com/office/drawing/2014/main" id="{DAC867A3-9C97-324C-A76E-0D7C3AD7D7CF}"/>
+              </a:ext>
+            </a:extLst>
+          </p:cNvPr>
+          <p:cNvSpPr/>
+          <p:nvPr/>
+        </p:nvSpPr>
+        <p:spPr>
+          <a:xfrm>
+            <a:off x="3903527" y="809708"/>
+            <a:ext cx="3411672" cy="693683"/>
+          </a:xfrm>
+          <a:prstGeom prst="leftArrow">
+            <a:avLst/>
+          </a:prstGeom>
+          <a:solidFill>
+            <a:srgbClr val="FFC000"/>
+          </a:solidFill>
+          <a:ln>
+            <a:noFill/>
+          </a:ln>
+          <a:effectLst/>
+        </p:spPr>
+        <p:style>
+          <a:lnRef idx="1">
+            <a:schemeClr val="accent1"/>
+          </a:lnRef>
+          <a:fillRef idx="3">
+            <a:schemeClr val="accent1"/>
+          </a:fillRef>
+          <a:effectRef idx="2">
+            <a:schemeClr val="accent1"/>
+          </a:effectRef>
+          <a:fontRef idx="minor">
+            <a:schemeClr val="lt1"/>
+          </a:fontRef>
+        </p:style>
+        <p:txBody>
+          <a:bodyPr rot="0" spcFirstLastPara="0" vertOverflow="overflow" horzOverflow="overflow" vert="horz" wrap="square" lIns="91440" tIns="45720" rIns="91440" bIns="45720" numCol="1" spcCol="0" rtlCol="0" fromWordArt="0" anchor="ctr" anchorCtr="0" forceAA="0" compatLnSpc="1">
+            <a:prstTxWarp prst="textNoShape">
+              <a:avLst/>
+            </a:prstTxWarp>
+            <a:noAutofit/>
+          </a:bodyPr>
+          <a:lstStyle/>
+          <a:p>
+            <a:pPr algn="ctr"/>
+            <a:r>
+              <a:rPr lang="en-US" dirty="0">
+                <a:solidFill>
+                  <a:schemeClr val="tx1"/>
+                </a:solidFill>
+              </a:rPr>
+              <a:t>Final Received Message</a:t>
+            </a:r>
+          </a:p>
+        </p:txBody>
+      </p:sp>
     </p:spTree>
     <p:extLst>
       <p:ext uri="{BB962C8B-B14F-4D97-AF65-F5344CB8AC3E}">
@@ -17590,6 +16994,635 @@
   <p:clrMapOvr>
     <a:masterClrMapping/>
   </p:clrMapOvr>
+</p:sld>
+</file>
+
+<file path=ppt/slides/slide19.xml><?xml version="1.0" encoding="utf-8"?>
+<p:sld xmlns:a="http://schemas.openxmlformats.org/drawingml/2006/main" xmlns:r="http://schemas.openxmlformats.org/officeDocument/2006/relationships" xmlns:p="http://schemas.openxmlformats.org/presentationml/2006/main">
+  <p:cSld>
+    <p:spTree>
+      <p:nvGrpSpPr>
+        <p:cNvPr id="1" name=""/>
+        <p:cNvGrpSpPr/>
+        <p:nvPr/>
+      </p:nvGrpSpPr>
+      <p:grpSpPr>
+        <a:xfrm>
+          <a:off x="0" y="0"/>
+          <a:ext cx="0" cy="0"/>
+          <a:chOff x="0" y="0"/>
+          <a:chExt cx="0" cy="0"/>
+        </a:xfrm>
+      </p:grpSpPr>
+      <p:sp>
+        <p:nvSpPr>
+          <p:cNvPr id="2" name="Title 1">
+            <a:extLst>
+              <a:ext uri="{FF2B5EF4-FFF2-40B4-BE49-F238E27FC236}">
+                <a16:creationId xmlns:a16="http://schemas.microsoft.com/office/drawing/2014/main" id="{B549760D-F8DF-461D-933B-F8DDDB43971E}"/>
+              </a:ext>
+            </a:extLst>
+          </p:cNvPr>
+          <p:cNvSpPr>
+            <a:spLocks noGrp="1"/>
+          </p:cNvSpPr>
+          <p:nvPr>
+            <p:ph type="title"/>
+          </p:nvPr>
+        </p:nvSpPr>
+        <p:spPr/>
+        <p:txBody>
+          <a:bodyPr/>
+          <a:lstStyle/>
+          <a:p>
+            <a:r>
+              <a:rPr lang="en-US" dirty="0"/>
+              <a:t>SAM-IoT-WM Version 2 Available on GitHub</a:t>
+            </a:r>
+          </a:p>
+        </p:txBody>
+      </p:sp>
+      <p:sp>
+        <p:nvSpPr>
+          <p:cNvPr id="3" name="Content Placeholder 2">
+            <a:extLst>
+              <a:ext uri="{FF2B5EF4-FFF2-40B4-BE49-F238E27FC236}">
+                <a16:creationId xmlns:a16="http://schemas.microsoft.com/office/drawing/2014/main" id="{259B5E4B-FAFA-4845-AFE9-703B03C49F82}"/>
+              </a:ext>
+            </a:extLst>
+          </p:cNvPr>
+          <p:cNvSpPr>
+            <a:spLocks noGrp="1"/>
+          </p:cNvSpPr>
+          <p:nvPr>
+            <p:ph sz="quarter" idx="13"/>
+          </p:nvPr>
+        </p:nvSpPr>
+        <p:spPr>
+          <a:xfrm>
+            <a:off x="356272" y="1070483"/>
+            <a:ext cx="11519639" cy="2505274"/>
+          </a:xfrm>
+        </p:spPr>
+        <p:txBody>
+          <a:bodyPr>
+            <a:normAutofit/>
+          </a:bodyPr>
+          <a:lstStyle/>
+          <a:p>
+            <a:r>
+              <a:rPr lang="en-US" sz="2000" b="0" dirty="0">
+                <a:latin typeface="Arial" panose="020B0604020202020204" pitchFamily="34" charset="0"/>
+                <a:cs typeface="Arial" panose="020B0604020202020204" pitchFamily="34" charset="0"/>
+              </a:rPr>
+              <a:t>Developers get full MPLAB X projects from Microsoft-owned GitHub repositories</a:t>
+            </a:r>
+          </a:p>
+          <a:p>
+            <a:endParaRPr lang="en-US" sz="2000" dirty="0"/>
+          </a:p>
+          <a:p>
+            <a:r>
+              <a:rPr lang="en-US" sz="2000" dirty="0"/>
+              <a:t>PIC-IoT </a:t>
+            </a:r>
+            <a:r>
+              <a:rPr lang="en-US" sz="1800" b="0" dirty="0">
+                <a:solidFill>
+                  <a:srgbClr val="0A0B0F"/>
+                </a:solidFill>
+                <a:hlinkClick r:id="rId3"/>
+              </a:rPr>
+              <a:t>https://github.com/Azure-Samples/Microchip-PIC-IoT-Wx</a:t>
+            </a:r>
+            <a:endParaRPr lang="en-US" sz="1800" b="0" dirty="0">
+              <a:solidFill>
+                <a:srgbClr val="0A0B0F"/>
+              </a:solidFill>
+            </a:endParaRPr>
+          </a:p>
+          <a:p>
+            <a:r>
+              <a:rPr lang="en-US" sz="2000" dirty="0"/>
+              <a:t>SAM-IoT </a:t>
+            </a:r>
+            <a:r>
+              <a:rPr lang="en-US" sz="1800" b="0" dirty="0">
+                <a:solidFill>
+                  <a:srgbClr val="0A0B0F"/>
+                </a:solidFill>
+                <a:hlinkClick r:id="rId4"/>
+              </a:rPr>
+              <a:t>https://github.com/Azure-Samples/Microchip-SAM-IoT-Wx</a:t>
+            </a:r>
+            <a:endParaRPr lang="en-US" sz="1800" b="0" dirty="0">
+              <a:solidFill>
+                <a:srgbClr val="0A0B0F"/>
+              </a:solidFill>
+            </a:endParaRPr>
+          </a:p>
+          <a:p>
+            <a:r>
+              <a:rPr lang="en-US" sz="2000" dirty="0"/>
+              <a:t>SAME54-XPRO </a:t>
+            </a:r>
+            <a:r>
+              <a:rPr lang="en-US" sz="1800" b="0" dirty="0">
+                <a:solidFill>
+                  <a:srgbClr val="0A0B0F"/>
+                </a:solidFill>
+                <a:hlinkClick r:id="rId5"/>
+              </a:rPr>
+              <a:t>https://github.com/azure-rtos/samples</a:t>
+            </a:r>
+            <a:endParaRPr lang="en-US" sz="1800" b="0" dirty="0">
+              <a:solidFill>
+                <a:srgbClr val="0A0B0F"/>
+              </a:solidFill>
+            </a:endParaRPr>
+          </a:p>
+          <a:p>
+            <a:r>
+              <a:rPr lang="en-US" sz="2000" dirty="0"/>
+              <a:t>PIC32 WFI32E Curiosity </a:t>
+            </a:r>
+            <a:r>
+              <a:rPr lang="en-US" sz="1800" b="0" dirty="0">
+                <a:solidFill>
+                  <a:srgbClr val="0A0B0F"/>
+                </a:solidFill>
+                <a:hlinkClick r:id="rId6"/>
+              </a:rPr>
+              <a:t>TBD (UNDER CONSTRUCTION)</a:t>
+            </a:r>
+            <a:endParaRPr lang="en-US" sz="1800" b="0" dirty="0">
+              <a:solidFill>
+                <a:srgbClr val="0A0B0F"/>
+              </a:solidFill>
+            </a:endParaRPr>
+          </a:p>
+          <a:p>
+            <a:r>
+              <a:rPr lang="en-US" sz="2000" dirty="0"/>
+              <a:t>ATSAMA5D27 Wireless SOM </a:t>
+            </a:r>
+            <a:r>
+              <a:rPr lang="en-US" sz="1800" b="0" dirty="0">
+                <a:solidFill>
+                  <a:srgbClr val="0A0B0F"/>
+                </a:solidFill>
+                <a:hlinkClick r:id="rId6"/>
+              </a:rPr>
+              <a:t>TBD (UNDER CONSTRUCTION)</a:t>
+            </a:r>
+            <a:endParaRPr lang="en-US" sz="1800" b="0" dirty="0">
+              <a:solidFill>
+                <a:srgbClr val="0A0B0F"/>
+              </a:solidFill>
+            </a:endParaRPr>
+          </a:p>
+          <a:p>
+            <a:pPr marL="0" indent="0">
+              <a:buNone/>
+            </a:pPr>
+            <a:endParaRPr lang="en-US" sz="2000" b="0" dirty="0"/>
+          </a:p>
+          <a:p>
+            <a:pPr marL="0" indent="0">
+              <a:buNone/>
+            </a:pPr>
+            <a:endParaRPr lang="en-US" sz="1000" dirty="0"/>
+          </a:p>
+        </p:txBody>
+      </p:sp>
+      <p:pic>
+        <p:nvPicPr>
+          <p:cNvPr id="9" name="Picture 2" descr="MPLAB X IDE Badge">
+            <a:extLst>
+              <a:ext uri="{FF2B5EF4-FFF2-40B4-BE49-F238E27FC236}">
+                <a16:creationId xmlns:a16="http://schemas.microsoft.com/office/drawing/2014/main" id="{A3681B67-7CDC-034C-808E-D2912EEBC6C0}"/>
+              </a:ext>
+            </a:extLst>
+          </p:cNvPr>
+          <p:cNvPicPr>
+            <a:picLocks noChangeAspect="1" noChangeArrowheads="1"/>
+          </p:cNvPicPr>
+          <p:nvPr/>
+        </p:nvPicPr>
+        <p:blipFill>
+          <a:blip r:embed="rId7">
+            <a:extLst>
+              <a:ext uri="{28A0092B-C50C-407E-A947-70E740481C1C}">
+                <a14:useLocalDpi xmlns:a14="http://schemas.microsoft.com/office/drawing/2010/main" val="0"/>
+              </a:ext>
+            </a:extLst>
+          </a:blip>
+          <a:srcRect/>
+          <a:stretch>
+            <a:fillRect/>
+          </a:stretch>
+        </p:blipFill>
+        <p:spPr bwMode="auto">
+          <a:xfrm>
+            <a:off x="618521" y="4457861"/>
+            <a:ext cx="1822671" cy="1822671"/>
+          </a:xfrm>
+          <a:prstGeom prst="rect">
+            <a:avLst/>
+          </a:prstGeom>
+          <a:noFill/>
+          <a:extLst>
+            <a:ext uri="{909E8E84-426E-40DD-AFC4-6F175D3DCCD1}">
+              <a14:hiddenFill xmlns:a14="http://schemas.microsoft.com/office/drawing/2010/main">
+                <a:solidFill>
+                  <a:srgbClr val="FFFFFF"/>
+                </a:solidFill>
+              </a14:hiddenFill>
+            </a:ext>
+          </a:extLst>
+        </p:spPr>
+      </p:pic>
+      <p:pic>
+        <p:nvPicPr>
+          <p:cNvPr id="10" name="Picture 2" descr="MPLAB XC Compilers Badge">
+            <a:extLst>
+              <a:ext uri="{FF2B5EF4-FFF2-40B4-BE49-F238E27FC236}">
+                <a16:creationId xmlns:a16="http://schemas.microsoft.com/office/drawing/2014/main" id="{797C01B8-1C53-6142-B492-1F71B1608DE5}"/>
+              </a:ext>
+            </a:extLst>
+          </p:cNvPr>
+          <p:cNvPicPr>
+            <a:picLocks noChangeAspect="1" noChangeArrowheads="1"/>
+          </p:cNvPicPr>
+          <p:nvPr/>
+        </p:nvPicPr>
+        <p:blipFill>
+          <a:blip r:embed="rId8">
+            <a:extLst>
+              <a:ext uri="{28A0092B-C50C-407E-A947-70E740481C1C}">
+                <a14:useLocalDpi xmlns:a14="http://schemas.microsoft.com/office/drawing/2010/main" val="0"/>
+              </a:ext>
+            </a:extLst>
+          </a:blip>
+          <a:srcRect/>
+          <a:stretch>
+            <a:fillRect/>
+          </a:stretch>
+        </p:blipFill>
+        <p:spPr bwMode="auto">
+          <a:xfrm>
+            <a:off x="2799766" y="4450394"/>
+            <a:ext cx="2005630" cy="1830137"/>
+          </a:xfrm>
+          <a:prstGeom prst="rect">
+            <a:avLst/>
+          </a:prstGeom>
+          <a:noFill/>
+          <a:extLst>
+            <a:ext uri="{909E8E84-426E-40DD-AFC4-6F175D3DCCD1}">
+              <a14:hiddenFill xmlns:a14="http://schemas.microsoft.com/office/drawing/2010/main">
+                <a:solidFill>
+                  <a:srgbClr val="FFFFFF"/>
+                </a:solidFill>
+              </a14:hiddenFill>
+            </a:ext>
+          </a:extLst>
+        </p:spPr>
+      </p:pic>
+      <p:pic>
+        <p:nvPicPr>
+          <p:cNvPr id="13" name="Picture 12">
+            <a:extLst>
+              <a:ext uri="{FF2B5EF4-FFF2-40B4-BE49-F238E27FC236}">
+                <a16:creationId xmlns:a16="http://schemas.microsoft.com/office/drawing/2014/main" id="{B50AAA15-5149-AD4A-94BC-7D56EC83B3D6}"/>
+              </a:ext>
+            </a:extLst>
+          </p:cNvPr>
+          <p:cNvPicPr>
+            <a:picLocks noChangeAspect="1"/>
+          </p:cNvPicPr>
+          <p:nvPr/>
+        </p:nvPicPr>
+        <p:blipFill>
+          <a:blip r:embed="rId9"/>
+          <a:stretch>
+            <a:fillRect/>
+          </a:stretch>
+        </p:blipFill>
+        <p:spPr>
+          <a:xfrm>
+            <a:off x="7729155" y="4631514"/>
+            <a:ext cx="2162629" cy="1467898"/>
+          </a:xfrm>
+          <a:prstGeom prst="rect">
+            <a:avLst/>
+          </a:prstGeom>
+        </p:spPr>
+      </p:pic>
+      <p:pic>
+        <p:nvPicPr>
+          <p:cNvPr id="15" name="Picture 14" descr="Icon&#10;&#10;Description automatically generated">
+            <a:extLst>
+              <a:ext uri="{FF2B5EF4-FFF2-40B4-BE49-F238E27FC236}">
+                <a16:creationId xmlns:a16="http://schemas.microsoft.com/office/drawing/2014/main" id="{1F29AE83-A96B-4049-BF98-F63669DEA379}"/>
+              </a:ext>
+            </a:extLst>
+          </p:cNvPr>
+          <p:cNvPicPr>
+            <a:picLocks noChangeAspect="1"/>
+          </p:cNvPicPr>
+          <p:nvPr/>
+        </p:nvPicPr>
+        <p:blipFill>
+          <a:blip r:embed="rId10"/>
+          <a:stretch>
+            <a:fillRect/>
+          </a:stretch>
+        </p:blipFill>
+        <p:spPr>
+          <a:xfrm>
+            <a:off x="9612149" y="1533140"/>
+            <a:ext cx="2566737" cy="2133600"/>
+          </a:xfrm>
+          <a:prstGeom prst="rect">
+            <a:avLst/>
+          </a:prstGeom>
+        </p:spPr>
+      </p:pic>
+      <p:pic>
+        <p:nvPicPr>
+          <p:cNvPr id="11266" name="Picture 2" descr="Microsoft logo">
+            <a:extLst>
+              <a:ext uri="{FF2B5EF4-FFF2-40B4-BE49-F238E27FC236}">
+                <a16:creationId xmlns:a16="http://schemas.microsoft.com/office/drawing/2014/main" id="{0FFF51D7-40D6-D345-BB94-C7CF7BDB73BB}"/>
+              </a:ext>
+            </a:extLst>
+          </p:cNvPr>
+          <p:cNvPicPr>
+            <a:picLocks noChangeAspect="1" noChangeArrowheads="1"/>
+          </p:cNvPicPr>
+          <p:nvPr/>
+        </p:nvPicPr>
+        <p:blipFill>
+          <a:blip r:embed="rId11">
+            <a:extLst>
+              <a:ext uri="{28A0092B-C50C-407E-A947-70E740481C1C}">
+                <a14:useLocalDpi xmlns:a14="http://schemas.microsoft.com/office/drawing/2010/main" val="0"/>
+              </a:ext>
+            </a:extLst>
+          </a:blip>
+          <a:srcRect/>
+          <a:stretch>
+            <a:fillRect/>
+          </a:stretch>
+        </p:blipFill>
+        <p:spPr bwMode="auto">
+          <a:xfrm>
+            <a:off x="7474725" y="1533140"/>
+            <a:ext cx="2313738" cy="1542492"/>
+          </a:xfrm>
+          <a:prstGeom prst="rect">
+            <a:avLst/>
+          </a:prstGeom>
+          <a:noFill/>
+          <a:extLst>
+            <a:ext uri="{909E8E84-426E-40DD-AFC4-6F175D3DCCD1}">
+              <a14:hiddenFill xmlns:a14="http://schemas.microsoft.com/office/drawing/2010/main">
+                <a:solidFill>
+                  <a:srgbClr val="FFFFFF"/>
+                </a:solidFill>
+              </a14:hiddenFill>
+            </a:ext>
+          </a:extLst>
+        </p:spPr>
+      </p:pic>
+      <p:pic>
+        <p:nvPicPr>
+          <p:cNvPr id="19" name="Picture 18" descr="A picture containing text&#10;&#10;Description automatically generated">
+            <a:extLst>
+              <a:ext uri="{FF2B5EF4-FFF2-40B4-BE49-F238E27FC236}">
+                <a16:creationId xmlns:a16="http://schemas.microsoft.com/office/drawing/2014/main" id="{937ACCB1-6C74-9045-BC30-B4A911FEE6BB}"/>
+              </a:ext>
+            </a:extLst>
+          </p:cNvPr>
+          <p:cNvPicPr>
+            <a:picLocks noChangeAspect="1"/>
+          </p:cNvPicPr>
+          <p:nvPr/>
+        </p:nvPicPr>
+        <p:blipFill>
+          <a:blip r:embed="rId12"/>
+          <a:stretch>
+            <a:fillRect/>
+          </a:stretch>
+        </p:blipFill>
+        <p:spPr>
+          <a:xfrm>
+            <a:off x="10031917" y="3540806"/>
+            <a:ext cx="1727200" cy="708152"/>
+          </a:xfrm>
+          <a:prstGeom prst="rect">
+            <a:avLst/>
+          </a:prstGeom>
+        </p:spPr>
+      </p:pic>
+      <p:pic>
+        <p:nvPicPr>
+          <p:cNvPr id="11268" name="Picture 4">
+            <a:extLst>
+              <a:ext uri="{FF2B5EF4-FFF2-40B4-BE49-F238E27FC236}">
+                <a16:creationId xmlns:a16="http://schemas.microsoft.com/office/drawing/2014/main" id="{2FB58AD5-8B7D-7F4F-A5EC-73097EDC6F29}"/>
+              </a:ext>
+            </a:extLst>
+          </p:cNvPr>
+          <p:cNvPicPr>
+            <a:picLocks noChangeAspect="1" noChangeArrowheads="1"/>
+          </p:cNvPicPr>
+          <p:nvPr/>
+        </p:nvPicPr>
+        <p:blipFill>
+          <a:blip r:embed="rId13">
+            <a:extLst>
+              <a:ext uri="{28A0092B-C50C-407E-A947-70E740481C1C}">
+                <a14:useLocalDpi xmlns:a14="http://schemas.microsoft.com/office/drawing/2010/main" val="0"/>
+              </a:ext>
+            </a:extLst>
+          </a:blip>
+          <a:srcRect/>
+          <a:stretch>
+            <a:fillRect/>
+          </a:stretch>
+        </p:blipFill>
+        <p:spPr bwMode="auto">
+          <a:xfrm>
+            <a:off x="5056843" y="4568259"/>
+            <a:ext cx="2313738" cy="1594408"/>
+          </a:xfrm>
+          <a:prstGeom prst="rect">
+            <a:avLst/>
+          </a:prstGeom>
+          <a:noFill/>
+          <a:extLst>
+            <a:ext uri="{909E8E84-426E-40DD-AFC4-6F175D3DCCD1}">
+              <a14:hiddenFill xmlns:a14="http://schemas.microsoft.com/office/drawing/2010/main">
+                <a:solidFill>
+                  <a:srgbClr val="FFFFFF"/>
+                </a:solidFill>
+              </a14:hiddenFill>
+            </a:ext>
+          </a:extLst>
+        </p:spPr>
+      </p:pic>
+      <p:sp>
+        <p:nvSpPr>
+          <p:cNvPr id="20" name="Rectangle 19">
+            <a:extLst>
+              <a:ext uri="{FF2B5EF4-FFF2-40B4-BE49-F238E27FC236}">
+                <a16:creationId xmlns:a16="http://schemas.microsoft.com/office/drawing/2014/main" id="{AE33937E-52A8-2A4F-A1E4-25C27BBFB9AA}"/>
+              </a:ext>
+            </a:extLst>
+          </p:cNvPr>
+          <p:cNvSpPr/>
+          <p:nvPr/>
+        </p:nvSpPr>
+        <p:spPr>
+          <a:xfrm>
+            <a:off x="701040" y="2153920"/>
+            <a:ext cx="6593840" cy="365760"/>
+          </a:xfrm>
+          <a:prstGeom prst="rect">
+            <a:avLst/>
+          </a:prstGeom>
+          <a:noFill/>
+          <a:ln w="19050">
+            <a:solidFill>
+              <a:srgbClr val="FF0000"/>
+            </a:solidFill>
+          </a:ln>
+          <a:effectLst/>
+        </p:spPr>
+        <p:style>
+          <a:lnRef idx="1">
+            <a:schemeClr val="accent1"/>
+          </a:lnRef>
+          <a:fillRef idx="3">
+            <a:schemeClr val="accent1"/>
+          </a:fillRef>
+          <a:effectRef idx="2">
+            <a:schemeClr val="accent1"/>
+          </a:effectRef>
+          <a:fontRef idx="minor">
+            <a:schemeClr val="lt1"/>
+          </a:fontRef>
+        </p:style>
+        <p:txBody>
+          <a:bodyPr rot="0" spcFirstLastPara="0" vertOverflow="overflow" horzOverflow="overflow" vert="horz" wrap="square" lIns="91440" tIns="45720" rIns="91440" bIns="45720" numCol="1" spcCol="0" rtlCol="0" fromWordArt="0" anchor="ctr" anchorCtr="0" forceAA="0" compatLnSpc="1">
+            <a:prstTxWarp prst="textNoShape">
+              <a:avLst/>
+            </a:prstTxWarp>
+            <a:noAutofit/>
+          </a:bodyPr>
+          <a:lstStyle/>
+          <a:p>
+            <a:pPr algn="ctr"/>
+            <a:endParaRPr lang="en-US"/>
+          </a:p>
+        </p:txBody>
+      </p:sp>
+    </p:spTree>
+    <p:extLst>
+      <p:ext uri="{BB962C8B-B14F-4D97-AF65-F5344CB8AC3E}">
+        <p14:creationId xmlns:p14="http://schemas.microsoft.com/office/powerpoint/2010/main" val="1525184709"/>
+      </p:ext>
+    </p:extLst>
+  </p:cSld>
+  <p:clrMapOvr>
+    <a:masterClrMapping/>
+  </p:clrMapOvr>
+  <p:transition>
+    <p:fade/>
+  </p:transition>
+  <p:timing>
+    <p:tnLst>
+      <p:par>
+        <p:cTn id="1" dur="indefinite" restart="never" nodeType="tmRoot">
+          <p:childTnLst>
+            <p:seq concurrent="1" nextAc="seek">
+              <p:cTn id="2" dur="indefinite" nodeType="mainSeq">
+                <p:childTnLst>
+                  <p:par>
+                    <p:cTn id="3" fill="hold">
+                      <p:stCondLst>
+                        <p:cond delay="indefinite"/>
+                        <p:cond evt="onBegin" delay="0">
+                          <p:tn val="2"/>
+                        </p:cond>
+                      </p:stCondLst>
+                      <p:childTnLst>
+                        <p:par>
+                          <p:cTn id="4" fill="hold">
+                            <p:stCondLst>
+                              <p:cond delay="0"/>
+                            </p:stCondLst>
+                            <p:childTnLst>
+                              <p:par>
+                                <p:cTn id="5" presetID="1" presetClass="entr" presetSubtype="0" fill="hold" grpId="0" nodeType="withEffect">
+                                  <p:stCondLst>
+                                    <p:cond delay="0"/>
+                                  </p:stCondLst>
+                                  <p:childTnLst>
+                                    <p:set>
+                                      <p:cBhvr>
+                                        <p:cTn id="6" dur="1" fill="hold">
+                                          <p:stCondLst>
+                                            <p:cond delay="0"/>
+                                          </p:stCondLst>
+                                        </p:cTn>
+                                        <p:tgtEl>
+                                          <p:spTgt spid="20"/>
+                                        </p:tgtEl>
+                                        <p:attrNameLst>
+                                          <p:attrName>style.visibility</p:attrName>
+                                        </p:attrNameLst>
+                                      </p:cBhvr>
+                                      <p:to>
+                                        <p:strVal val="visible"/>
+                                      </p:to>
+                                    </p:set>
+                                  </p:childTnLst>
+                                </p:cTn>
+                              </p:par>
+                            </p:childTnLst>
+                          </p:cTn>
+                        </p:par>
+                      </p:childTnLst>
+                    </p:cTn>
+                  </p:par>
+                </p:childTnLst>
+              </p:cTn>
+              <p:prevCondLst>
+                <p:cond evt="onPrev" delay="0">
+                  <p:tgtEl>
+                    <p:sldTgt/>
+                  </p:tgtEl>
+                </p:cond>
+              </p:prevCondLst>
+              <p:nextCondLst>
+                <p:cond evt="onNext" delay="0">
+                  <p:tgtEl>
+                    <p:sldTgt/>
+                  </p:tgtEl>
+                </p:cond>
+              </p:nextCondLst>
+            </p:seq>
+          </p:childTnLst>
+        </p:cTn>
+      </p:par>
+    </p:tnLst>
+    <p:bldLst>
+      <p:bldP spid="20" grpId="0" animBg="1"/>
+    </p:bldLst>
+  </p:timing>
 </p:sld>
 </file>
 
@@ -31225,28 +31258,52 @@
 </file>
 
 <file path=customXml/item1.xml><?xml version="1.0" encoding="utf-8"?>
-<p:properties xmlns:p="http://schemas.microsoft.com/office/2006/metadata/properties" xmlns:xsi="http://www.w3.org/2001/XMLSchema-instance" xmlns:pc="http://schemas.microsoft.com/office/infopath/2007/PartnerControls">
-  <documentManagement>
-    <Content_x0020_Archived xmlns="df7acb31-37ac-40e2-81bb-c44e3630f613">false</Content_x0020_Archived>
-    <_dlc_DocId xmlns="38ef598d-997c-498b-b737-2f6b2c50ccab">SV5CHKDEWJXD-84-133</_dlc_DocId>
-    <_dlc_DocIdUrl xmlns="38ef598d-997c-498b-b737-2f6b2c50ccab">
-      <Url>http://mchpweb-2010/marcom/home/Resources/_layouts/DocIdRedir.aspx?ID=SV5CHKDEWJXD-84-133</Url>
-      <Description>SV5CHKDEWJXD-84-133</Description>
-    </_dlc_DocIdUrl>
-  </documentManagement>
-</p:properties>
+<?mso-contentType ?>
+<spe:Receivers xmlns:spe="http://schemas.microsoft.com/sharepoint/events">
+  <Receiver>
+    <Name>Document ID Generator</Name>
+    <Synchronization>Synchronous</Synchronization>
+    <Type>10001</Type>
+    <SequenceNumber>1000</SequenceNumber>
+    <Assembly>Microsoft.Office.DocumentManagement, Version=14.0.0.0, Culture=neutral, PublicKeyToken=71e9bce111e9429c</Assembly>
+    <Class>Microsoft.Office.DocumentManagement.Internal.DocIdHandler</Class>
+    <Data/>
+    <Filter/>
+  </Receiver>
+  <Receiver>
+    <Name>Document ID Generator</Name>
+    <Synchronization>Synchronous</Synchronization>
+    <Type>10002</Type>
+    <SequenceNumber>1001</SequenceNumber>
+    <Assembly>Microsoft.Office.DocumentManagement, Version=14.0.0.0, Culture=neutral, PublicKeyToken=71e9bce111e9429c</Assembly>
+    <Class>Microsoft.Office.DocumentManagement.Internal.DocIdHandler</Class>
+    <Data/>
+    <Filter/>
+  </Receiver>
+  <Receiver>
+    <Name>Document ID Generator</Name>
+    <Synchronization>Synchronous</Synchronization>
+    <Type>10004</Type>
+    <SequenceNumber>1002</SequenceNumber>
+    <Assembly>Microsoft.Office.DocumentManagement, Version=14.0.0.0, Culture=neutral, PublicKeyToken=71e9bce111e9429c</Assembly>
+    <Class>Microsoft.Office.DocumentManagement.Internal.DocIdHandler</Class>
+    <Data/>
+    <Filter/>
+  </Receiver>
+  <Receiver>
+    <Name>Document ID Generator</Name>
+    <Synchronization>Synchronous</Synchronization>
+    <Type>10006</Type>
+    <SequenceNumber>1003</SequenceNumber>
+    <Assembly>Microsoft.Office.DocumentManagement, Version=14.0.0.0, Culture=neutral, PublicKeyToken=71e9bce111e9429c</Assembly>
+    <Class>Microsoft.Office.DocumentManagement.Internal.DocIdHandler</Class>
+    <Data/>
+    <Filter/>
+  </Receiver>
+</spe:Receivers>
 </file>
 
 <file path=customXml/item2.xml><?xml version="1.0" encoding="utf-8"?>
-<?mso-contentType ?>
-<FormTemplates xmlns="http://schemas.microsoft.com/sharepoint/v3/contenttype/forms">
-  <Display>DocumentLibraryForm</Display>
-  <Edit>DocumentLibraryForm</Edit>
-  <New>DocumentLibraryForm</New>
-</FormTemplates>
-</file>
-
-<file path=customXml/item3.xml><?xml version="1.0" encoding="utf-8"?>
 <ct:contentTypeSchema xmlns:ct="http://schemas.microsoft.com/office/2006/metadata/contentType" xmlns:ma="http://schemas.microsoft.com/office/2006/metadata/properties/metaAttributes" ct:_="" ma:_="" ma:contentTypeName="Document" ma:contentTypeID="0x01010006EF9829FE6FB94D84D3D1D5B1820991" ma:contentTypeVersion="2" ma:contentTypeDescription="Create a new document." ma:contentTypeScope="" ma:versionID="84d427fd2fb92a215479da5b0fe5e4ad">
   <xsd:schema xmlns:xsd="http://www.w3.org/2001/XMLSchema" xmlns:xs="http://www.w3.org/2001/XMLSchema" xmlns:p="http://schemas.microsoft.com/office/2006/metadata/properties" xmlns:ns2="38ef598d-997c-498b-b737-2f6b2c50ccab" xmlns:ns3="df7acb31-37ac-40e2-81bb-c44e3630f613" targetNamespace="http://schemas.microsoft.com/office/2006/metadata/properties" ma:root="true" ma:fieldsID="156788901a84a305ff90b9b24ba2d9fb" ns2:_="" ns3:_="">
     <xsd:import namespace="38ef598d-997c-498b-b737-2f6b2c50ccab"/>
@@ -31402,72 +31459,37 @@
 </ct:contentTypeSchema>
 </file>
 
+<file path=customXml/item3.xml><?xml version="1.0" encoding="utf-8"?>
+<?mso-contentType ?>
+<FormTemplates xmlns="http://schemas.microsoft.com/sharepoint/v3/contenttype/forms">
+  <Display>DocumentLibraryForm</Display>
+  <Edit>DocumentLibraryForm</Edit>
+  <New>DocumentLibraryForm</New>
+</FormTemplates>
+</file>
+
 <file path=customXml/item4.xml><?xml version="1.0" encoding="utf-8"?>
-<?mso-contentType ?>
-<spe:Receivers xmlns:spe="http://schemas.microsoft.com/sharepoint/events">
-  <Receiver>
-    <Name>Document ID Generator</Name>
-    <Synchronization>Synchronous</Synchronization>
-    <Type>10001</Type>
-    <SequenceNumber>1000</SequenceNumber>
-    <Assembly>Microsoft.Office.DocumentManagement, Version=14.0.0.0, Culture=neutral, PublicKeyToken=71e9bce111e9429c</Assembly>
-    <Class>Microsoft.Office.DocumentManagement.Internal.DocIdHandler</Class>
-    <Data/>
-    <Filter/>
-  </Receiver>
-  <Receiver>
-    <Name>Document ID Generator</Name>
-    <Synchronization>Synchronous</Synchronization>
-    <Type>10002</Type>
-    <SequenceNumber>1001</SequenceNumber>
-    <Assembly>Microsoft.Office.DocumentManagement, Version=14.0.0.0, Culture=neutral, PublicKeyToken=71e9bce111e9429c</Assembly>
-    <Class>Microsoft.Office.DocumentManagement.Internal.DocIdHandler</Class>
-    <Data/>
-    <Filter/>
-  </Receiver>
-  <Receiver>
-    <Name>Document ID Generator</Name>
-    <Synchronization>Synchronous</Synchronization>
-    <Type>10004</Type>
-    <SequenceNumber>1002</SequenceNumber>
-    <Assembly>Microsoft.Office.DocumentManagement, Version=14.0.0.0, Culture=neutral, PublicKeyToken=71e9bce111e9429c</Assembly>
-    <Class>Microsoft.Office.DocumentManagement.Internal.DocIdHandler</Class>
-    <Data/>
-    <Filter/>
-  </Receiver>
-  <Receiver>
-    <Name>Document ID Generator</Name>
-    <Synchronization>Synchronous</Synchronization>
-    <Type>10006</Type>
-    <SequenceNumber>1003</SequenceNumber>
-    <Assembly>Microsoft.Office.DocumentManagement, Version=14.0.0.0, Culture=neutral, PublicKeyToken=71e9bce111e9429c</Assembly>
-    <Class>Microsoft.Office.DocumentManagement.Internal.DocIdHandler</Class>
-    <Data/>
-    <Filter/>
-  </Receiver>
-</spe:Receivers>
+<p:properties xmlns:p="http://schemas.microsoft.com/office/2006/metadata/properties" xmlns:xsi="http://www.w3.org/2001/XMLSchema-instance" xmlns:pc="http://schemas.microsoft.com/office/infopath/2007/PartnerControls">
+  <documentManagement>
+    <Content_x0020_Archived xmlns="df7acb31-37ac-40e2-81bb-c44e3630f613">false</Content_x0020_Archived>
+    <_dlc_DocId xmlns="38ef598d-997c-498b-b737-2f6b2c50ccab">SV5CHKDEWJXD-84-133</_dlc_DocId>
+    <_dlc_DocIdUrl xmlns="38ef598d-997c-498b-b737-2f6b2c50ccab">
+      <Url>http://mchpweb-2010/marcom/home/Resources/_layouts/DocIdRedir.aspx?ID=SV5CHKDEWJXD-84-133</Url>
+      <Description>SV5CHKDEWJXD-84-133</Description>
+    </_dlc_DocIdUrl>
+  </documentManagement>
+</p:properties>
 </file>
 
 <file path=customXml/itemProps1.xml><?xml version="1.0" encoding="utf-8"?>
-<ds:datastoreItem xmlns:ds="http://schemas.openxmlformats.org/officeDocument/2006/customXml" ds:itemID="{15774815-801A-4D0C-AAC8-304A8EA5EAE0}">
+<ds:datastoreItem xmlns:ds="http://schemas.openxmlformats.org/officeDocument/2006/customXml" ds:itemID="{36ECED7C-7E24-4B80-B6AD-5BF0A508FB7B}">
   <ds:schemaRefs>
-    <ds:schemaRef ds:uri="http://schemas.microsoft.com/office/2006/metadata/properties"/>
-    <ds:schemaRef ds:uri="http://schemas.microsoft.com/office/infopath/2007/PartnerControls"/>
-    <ds:schemaRef ds:uri="df7acb31-37ac-40e2-81bb-c44e3630f613"/>
-    <ds:schemaRef ds:uri="38ef598d-997c-498b-b737-2f6b2c50ccab"/>
+    <ds:schemaRef ds:uri="http://schemas.microsoft.com/sharepoint/events"/>
   </ds:schemaRefs>
 </ds:datastoreItem>
 </file>
 
 <file path=customXml/itemProps2.xml><?xml version="1.0" encoding="utf-8"?>
-<ds:datastoreItem xmlns:ds="http://schemas.openxmlformats.org/officeDocument/2006/customXml" ds:itemID="{0CE24DD7-9317-4AD8-82D4-5A6998DA79C7}">
-  <ds:schemaRefs>
-    <ds:schemaRef ds:uri="http://schemas.microsoft.com/sharepoint/v3/contenttype/forms"/>
-  </ds:schemaRefs>
-</ds:datastoreItem>
-</file>
-
-<file path=customXml/itemProps3.xml><?xml version="1.0" encoding="utf-8"?>
 <ds:datastoreItem xmlns:ds="http://schemas.openxmlformats.org/officeDocument/2006/customXml" ds:itemID="{AF9647E8-EA5A-4469-8198-396AF1DA17E0}">
   <ds:schemaRefs>
     <ds:schemaRef ds:uri="http://schemas.microsoft.com/office/2006/metadata/contentType"/>
@@ -31486,10 +31508,21 @@
 </ds:datastoreItem>
 </file>
 
+<file path=customXml/itemProps3.xml><?xml version="1.0" encoding="utf-8"?>
+<ds:datastoreItem xmlns:ds="http://schemas.openxmlformats.org/officeDocument/2006/customXml" ds:itemID="{0CE24DD7-9317-4AD8-82D4-5A6998DA79C7}">
+  <ds:schemaRefs>
+    <ds:schemaRef ds:uri="http://schemas.microsoft.com/sharepoint/v3/contenttype/forms"/>
+  </ds:schemaRefs>
+</ds:datastoreItem>
+</file>
+
 <file path=customXml/itemProps4.xml><?xml version="1.0" encoding="utf-8"?>
-<ds:datastoreItem xmlns:ds="http://schemas.openxmlformats.org/officeDocument/2006/customXml" ds:itemID="{36ECED7C-7E24-4B80-B6AD-5BF0A508FB7B}">
+<ds:datastoreItem xmlns:ds="http://schemas.openxmlformats.org/officeDocument/2006/customXml" ds:itemID="{15774815-801A-4D0C-AAC8-304A8EA5EAE0}">
   <ds:schemaRefs>
-    <ds:schemaRef ds:uri="http://schemas.microsoft.com/sharepoint/events"/>
+    <ds:schemaRef ds:uri="http://schemas.microsoft.com/office/2006/metadata/properties"/>
+    <ds:schemaRef ds:uri="http://schemas.microsoft.com/office/infopath/2007/PartnerControls"/>
+    <ds:schemaRef ds:uri="df7acb31-37ac-40e2-81bb-c44e3630f613"/>
+    <ds:schemaRef ds:uri="38ef598d-997c-498b-b737-2f6b2c50ccab"/>
   </ds:schemaRefs>
 </ds:datastoreItem>
 </file>